--- a/Nest JS.pptx
+++ b/Nest JS.pptx
@@ -7,18 +7,17 @@
   <p:sldIdLst>
     <p:sldId id="256" r:id="rId2"/>
     <p:sldId id="257" r:id="rId3"/>
-    <p:sldId id="274" r:id="rId4"/>
-    <p:sldId id="258" r:id="rId5"/>
-    <p:sldId id="259" r:id="rId6"/>
-    <p:sldId id="261" r:id="rId7"/>
-    <p:sldId id="265" r:id="rId8"/>
-    <p:sldId id="268" r:id="rId9"/>
-    <p:sldId id="262" r:id="rId10"/>
-    <p:sldId id="263" r:id="rId11"/>
-    <p:sldId id="267" r:id="rId12"/>
-    <p:sldId id="266" r:id="rId13"/>
-    <p:sldId id="273" r:id="rId14"/>
-    <p:sldId id="269" r:id="rId15"/>
+    <p:sldId id="258" r:id="rId4"/>
+    <p:sldId id="259" r:id="rId5"/>
+    <p:sldId id="261" r:id="rId6"/>
+    <p:sldId id="265" r:id="rId7"/>
+    <p:sldId id="268" r:id="rId8"/>
+    <p:sldId id="262" r:id="rId9"/>
+    <p:sldId id="263" r:id="rId10"/>
+    <p:sldId id="267" r:id="rId11"/>
+    <p:sldId id="266" r:id="rId12"/>
+    <p:sldId id="273" r:id="rId13"/>
+    <p:sldId id="269" r:id="rId14"/>
   </p:sldIdLst>
   <p:sldSz cx="12192000" cy="6858000"/>
   <p:notesSz cx="6858000" cy="9144000"/>
@@ -182,7 +181,7 @@
           <a:noFill/>
           <a:extLst>
             <a:ext uri="{909E8E84-426E-40dd-AFC4-6F175D3DCCD1}">
-              <a14:hiddenFill xmlns:a14="http://schemas.microsoft.com/office/drawing/2010/main" xmlns="">
+              <a14:hiddenFill xmlns="" xmlns:a14="http://schemas.microsoft.com/office/drawing/2010/main">
                 <a:solidFill>
                   <a:srgbClr val="FFFFFF"/>
                 </a:solidFill>
@@ -241,7 +240,7 @@
             </a:ln>
             <a:extLst>
               <a:ext uri="{91240B29-F687-4f45-9708-019B960494DF}">
-                <a14:hiddenLine xmlns:a14="http://schemas.microsoft.com/office/drawing/2010/main" xmlns="" w="9525">
+                <a14:hiddenLine xmlns="" xmlns:a14="http://schemas.microsoft.com/office/drawing/2010/main" w="9525">
                   <a:solidFill>
                     <a:srgbClr val="000000"/>
                   </a:solidFill>
@@ -331,7 +330,7 @@
             </a:ln>
             <a:extLst>
               <a:ext uri="{91240B29-F687-4f45-9708-019B960494DF}">
-                <a14:hiddenLine xmlns:a14="http://schemas.microsoft.com/office/drawing/2010/main" xmlns="" w="9525">
+                <a14:hiddenLine xmlns="" xmlns:a14="http://schemas.microsoft.com/office/drawing/2010/main" w="9525">
                   <a:solidFill>
                     <a:srgbClr val="000000"/>
                   </a:solidFill>
@@ -421,7 +420,7 @@
             </a:ln>
             <a:extLst>
               <a:ext uri="{91240B29-F687-4f45-9708-019B960494DF}">
-                <a14:hiddenLine xmlns:a14="http://schemas.microsoft.com/office/drawing/2010/main" xmlns="" w="9525">
+                <a14:hiddenLine xmlns="" xmlns:a14="http://schemas.microsoft.com/office/drawing/2010/main" w="9525">
                   <a:solidFill>
                     <a:srgbClr val="000000"/>
                   </a:solidFill>
@@ -455,7 +454,7 @@
             </a:ln>
             <a:extLst>
               <a:ext uri="{91240B29-F687-4f45-9708-019B960494DF}">
-                <a14:hiddenLine xmlns:a14="http://schemas.microsoft.com/office/drawing/2010/main" xmlns="" w="9525">
+                <a14:hiddenLine xmlns="" xmlns:a14="http://schemas.microsoft.com/office/drawing/2010/main" w="9525">
                   <a:solidFill>
                     <a:srgbClr val="000000"/>
                   </a:solidFill>
@@ -545,7 +544,7 @@
             </a:ln>
             <a:extLst>
               <a:ext uri="{91240B29-F687-4f45-9708-019B960494DF}">
-                <a14:hiddenLine xmlns:a14="http://schemas.microsoft.com/office/drawing/2010/main" xmlns="" w="9525">
+                <a14:hiddenLine xmlns="" xmlns:a14="http://schemas.microsoft.com/office/drawing/2010/main" w="9525">
                   <a:solidFill>
                     <a:srgbClr val="000000"/>
                   </a:solidFill>
@@ -607,7 +606,7 @@
             </a:ln>
             <a:extLst>
               <a:ext uri="{91240B29-F687-4f45-9708-019B960494DF}">
-                <a14:hiddenLine xmlns:a14="http://schemas.microsoft.com/office/drawing/2010/main" xmlns="" w="9525">
+                <a14:hiddenLine xmlns="" xmlns:a14="http://schemas.microsoft.com/office/drawing/2010/main" w="9525">
                   <a:solidFill>
                     <a:srgbClr val="000000"/>
                   </a:solidFill>
@@ -669,7 +668,7 @@
             </a:ln>
             <a:extLst>
               <a:ext uri="{91240B29-F687-4f45-9708-019B960494DF}">
-                <a14:hiddenLine xmlns:a14="http://schemas.microsoft.com/office/drawing/2010/main" xmlns="" w="9525">
+                <a14:hiddenLine xmlns="" xmlns:a14="http://schemas.microsoft.com/office/drawing/2010/main" w="9525">
                   <a:solidFill>
                     <a:srgbClr val="000000"/>
                   </a:solidFill>
@@ -759,7 +758,7 @@
             </a:ln>
             <a:extLst>
               <a:ext uri="{91240B29-F687-4f45-9708-019B960494DF}">
-                <a14:hiddenLine xmlns:a14="http://schemas.microsoft.com/office/drawing/2010/main" xmlns="" w="9525">
+                <a14:hiddenLine xmlns="" xmlns:a14="http://schemas.microsoft.com/office/drawing/2010/main" w="9525">
                   <a:solidFill>
                     <a:srgbClr val="000000"/>
                   </a:solidFill>
@@ -821,7 +820,7 @@
             </a:ln>
             <a:extLst>
               <a:ext uri="{91240B29-F687-4f45-9708-019B960494DF}">
-                <a14:hiddenLine xmlns:a14="http://schemas.microsoft.com/office/drawing/2010/main" xmlns="" w="9525">
+                <a14:hiddenLine xmlns="" xmlns:a14="http://schemas.microsoft.com/office/drawing/2010/main" w="9525">
                   <a:solidFill>
                     <a:srgbClr val="000000"/>
                   </a:solidFill>
@@ -883,7 +882,7 @@
             </a:ln>
             <a:extLst>
               <a:ext uri="{91240B29-F687-4f45-9708-019B960494DF}">
-                <a14:hiddenLine xmlns:a14="http://schemas.microsoft.com/office/drawing/2010/main" xmlns="" w="9525">
+                <a14:hiddenLine xmlns="" xmlns:a14="http://schemas.microsoft.com/office/drawing/2010/main" w="9525">
                   <a:solidFill>
                     <a:srgbClr val="000000"/>
                   </a:solidFill>
@@ -973,7 +972,7 @@
             </a:ln>
             <a:extLst>
               <a:ext uri="{91240B29-F687-4f45-9708-019B960494DF}">
-                <a14:hiddenLine xmlns:a14="http://schemas.microsoft.com/office/drawing/2010/main" xmlns="" w="9525">
+                <a14:hiddenLine xmlns="" xmlns:a14="http://schemas.microsoft.com/office/drawing/2010/main" w="9525">
                   <a:solidFill>
                     <a:srgbClr val="000000"/>
                   </a:solidFill>
@@ -1063,7 +1062,7 @@
             </a:ln>
             <a:extLst>
               <a:ext uri="{91240B29-F687-4f45-9708-019B960494DF}">
-                <a14:hiddenLine xmlns:a14="http://schemas.microsoft.com/office/drawing/2010/main" xmlns="" w="9525">
+                <a14:hiddenLine xmlns="" xmlns:a14="http://schemas.microsoft.com/office/drawing/2010/main" w="9525">
                   <a:solidFill>
                     <a:srgbClr val="000000"/>
                   </a:solidFill>
@@ -1125,7 +1124,7 @@
             </a:ln>
             <a:extLst>
               <a:ext uri="{91240B29-F687-4f45-9708-019B960494DF}">
-                <a14:hiddenLine xmlns:a14="http://schemas.microsoft.com/office/drawing/2010/main" xmlns="" w="9525">
+                <a14:hiddenLine xmlns="" xmlns:a14="http://schemas.microsoft.com/office/drawing/2010/main" w="9525">
                   <a:solidFill>
                     <a:srgbClr val="000000"/>
                   </a:solidFill>
@@ -1235,7 +1234,7 @@
             </a:ln>
             <a:extLst>
               <a:ext uri="{91240B29-F687-4f45-9708-019B960494DF}">
-                <a14:hiddenLine xmlns:a14="http://schemas.microsoft.com/office/drawing/2010/main" xmlns="" w="9525">
+                <a14:hiddenLine xmlns="" xmlns:a14="http://schemas.microsoft.com/office/drawing/2010/main" w="9525">
                   <a:solidFill>
                     <a:srgbClr val="000000"/>
                   </a:solidFill>
@@ -1297,7 +1296,7 @@
             </a:ln>
             <a:extLst>
               <a:ext uri="{91240B29-F687-4f45-9708-019B960494DF}">
-                <a14:hiddenLine xmlns:a14="http://schemas.microsoft.com/office/drawing/2010/main" xmlns="" w="9525">
+                <a14:hiddenLine xmlns="" xmlns:a14="http://schemas.microsoft.com/office/drawing/2010/main" w="9525">
                   <a:solidFill>
                     <a:srgbClr val="000000"/>
                   </a:solidFill>
@@ -1387,7 +1386,7 @@
             </a:ln>
             <a:extLst>
               <a:ext uri="{91240B29-F687-4f45-9708-019B960494DF}">
-                <a14:hiddenLine xmlns:a14="http://schemas.microsoft.com/office/drawing/2010/main" xmlns="" w="9525">
+                <a14:hiddenLine xmlns="" xmlns:a14="http://schemas.microsoft.com/office/drawing/2010/main" w="9525">
                   <a:solidFill>
                     <a:srgbClr val="000000"/>
                   </a:solidFill>
@@ -1477,7 +1476,7 @@
             </a:ln>
             <a:extLst>
               <a:ext uri="{91240B29-F687-4f45-9708-019B960494DF}">
-                <a14:hiddenLine xmlns:a14="http://schemas.microsoft.com/office/drawing/2010/main" xmlns="" w="9525">
+                <a14:hiddenLine xmlns="" xmlns:a14="http://schemas.microsoft.com/office/drawing/2010/main" w="9525">
                   <a:solidFill>
                     <a:srgbClr val="000000"/>
                   </a:solidFill>
@@ -1539,7 +1538,7 @@
             </a:ln>
             <a:extLst>
               <a:ext uri="{91240B29-F687-4f45-9708-019B960494DF}">
-                <a14:hiddenLine xmlns:a14="http://schemas.microsoft.com/office/drawing/2010/main" xmlns="" w="9525">
+                <a14:hiddenLine xmlns="" xmlns:a14="http://schemas.microsoft.com/office/drawing/2010/main" w="9525">
                   <a:solidFill>
                     <a:srgbClr val="000000"/>
                   </a:solidFill>
@@ -1629,7 +1628,7 @@
             </a:ln>
             <a:extLst>
               <a:ext uri="{91240B29-F687-4f45-9708-019B960494DF}">
-                <a14:hiddenLine xmlns:a14="http://schemas.microsoft.com/office/drawing/2010/main" xmlns="" w="9525">
+                <a14:hiddenLine xmlns="" xmlns:a14="http://schemas.microsoft.com/office/drawing/2010/main" w="9525">
                   <a:solidFill>
                     <a:srgbClr val="000000"/>
                   </a:solidFill>
@@ -1719,7 +1718,7 @@
             </a:ln>
             <a:extLst>
               <a:ext uri="{91240B29-F687-4f45-9708-019B960494DF}">
-                <a14:hiddenLine xmlns:a14="http://schemas.microsoft.com/office/drawing/2010/main" xmlns="" w="9525">
+                <a14:hiddenLine xmlns="" xmlns:a14="http://schemas.microsoft.com/office/drawing/2010/main" w="9525">
                   <a:solidFill>
                     <a:srgbClr val="000000"/>
                   </a:solidFill>
@@ -1775,7 +1774,7 @@
             </a:ln>
             <a:extLst>
               <a:ext uri="{91240B29-F687-4f45-9708-019B960494DF}">
-                <a14:hiddenLine xmlns:a14="http://schemas.microsoft.com/office/drawing/2010/main" xmlns="" w="9525">
+                <a14:hiddenLine xmlns="" xmlns:a14="http://schemas.microsoft.com/office/drawing/2010/main" w="9525">
                   <a:solidFill>
                     <a:srgbClr val="000000"/>
                   </a:solidFill>
@@ -1865,7 +1864,7 @@
             </a:ln>
             <a:extLst>
               <a:ext uri="{91240B29-F687-4f45-9708-019B960494DF}">
-                <a14:hiddenLine xmlns:a14="http://schemas.microsoft.com/office/drawing/2010/main" xmlns="" w="9525">
+                <a14:hiddenLine xmlns="" xmlns:a14="http://schemas.microsoft.com/office/drawing/2010/main" w="9525">
                   <a:solidFill>
                     <a:srgbClr val="000000"/>
                   </a:solidFill>
@@ -1921,7 +1920,7 @@
             </a:ln>
             <a:extLst>
               <a:ext uri="{91240B29-F687-4f45-9708-019B960494DF}">
-                <a14:hiddenLine xmlns:a14="http://schemas.microsoft.com/office/drawing/2010/main" xmlns="" w="9525">
+                <a14:hiddenLine xmlns="" xmlns:a14="http://schemas.microsoft.com/office/drawing/2010/main" w="9525">
                   <a:solidFill>
                     <a:srgbClr val="000000"/>
                   </a:solidFill>
@@ -2011,7 +2010,7 @@
             </a:ln>
             <a:extLst>
               <a:ext uri="{91240B29-F687-4f45-9708-019B960494DF}">
-                <a14:hiddenLine xmlns:a14="http://schemas.microsoft.com/office/drawing/2010/main" xmlns="" w="9525">
+                <a14:hiddenLine xmlns="" xmlns:a14="http://schemas.microsoft.com/office/drawing/2010/main" w="9525">
                   <a:solidFill>
                     <a:srgbClr val="000000"/>
                   </a:solidFill>
@@ -2079,7 +2078,7 @@
             </a:ln>
             <a:extLst>
               <a:ext uri="{91240B29-F687-4f45-9708-019B960494DF}">
-                <a14:hiddenLine xmlns:a14="http://schemas.microsoft.com/office/drawing/2010/main" xmlns="" w="9525">
+                <a14:hiddenLine xmlns="" xmlns:a14="http://schemas.microsoft.com/office/drawing/2010/main" w="9525">
                   <a:solidFill>
                     <a:srgbClr val="000000"/>
                   </a:solidFill>
@@ -2169,7 +2168,7 @@
             </a:ln>
             <a:extLst>
               <a:ext uri="{91240B29-F687-4f45-9708-019B960494DF}">
-                <a14:hiddenLine xmlns:a14="http://schemas.microsoft.com/office/drawing/2010/main" xmlns="" w="9525">
+                <a14:hiddenLine xmlns="" xmlns:a14="http://schemas.microsoft.com/office/drawing/2010/main" w="9525">
                   <a:solidFill>
                     <a:srgbClr val="000000"/>
                   </a:solidFill>
@@ -2237,7 +2236,7 @@
             </a:ln>
             <a:extLst>
               <a:ext uri="{91240B29-F687-4f45-9708-019B960494DF}">
-                <a14:hiddenLine xmlns:a14="http://schemas.microsoft.com/office/drawing/2010/main" xmlns="" w="9525">
+                <a14:hiddenLine xmlns="" xmlns:a14="http://schemas.microsoft.com/office/drawing/2010/main" w="9525">
                   <a:solidFill>
                     <a:srgbClr val="000000"/>
                   </a:solidFill>
@@ -2327,7 +2326,7 @@
             </a:ln>
             <a:extLst>
               <a:ext uri="{91240B29-F687-4f45-9708-019B960494DF}">
-                <a14:hiddenLine xmlns:a14="http://schemas.microsoft.com/office/drawing/2010/main" xmlns="" w="9525">
+                <a14:hiddenLine xmlns="" xmlns:a14="http://schemas.microsoft.com/office/drawing/2010/main" w="9525">
                   <a:solidFill>
                     <a:srgbClr val="000000"/>
                   </a:solidFill>
@@ -2361,7 +2360,7 @@
             </a:ln>
             <a:extLst>
               <a:ext uri="{91240B29-F687-4f45-9708-019B960494DF}">
-                <a14:hiddenLine xmlns:a14="http://schemas.microsoft.com/office/drawing/2010/main" xmlns="" w="9525">
+                <a14:hiddenLine xmlns="" xmlns:a14="http://schemas.microsoft.com/office/drawing/2010/main" w="9525">
                   <a:solidFill>
                     <a:srgbClr val="000000"/>
                   </a:solidFill>
@@ -2451,7 +2450,7 @@
             </a:ln>
             <a:extLst>
               <a:ext uri="{91240B29-F687-4f45-9708-019B960494DF}">
-                <a14:hiddenLine xmlns:a14="http://schemas.microsoft.com/office/drawing/2010/main" xmlns="" w="9525">
+                <a14:hiddenLine xmlns="" xmlns:a14="http://schemas.microsoft.com/office/drawing/2010/main" w="9525">
                   <a:solidFill>
                     <a:srgbClr val="000000"/>
                   </a:solidFill>
@@ -2513,7 +2512,7 @@
             </a:ln>
             <a:extLst>
               <a:ext uri="{91240B29-F687-4f45-9708-019B960494DF}">
-                <a14:hiddenLine xmlns:a14="http://schemas.microsoft.com/office/drawing/2010/main" xmlns="" w="9525">
+                <a14:hiddenLine xmlns="" xmlns:a14="http://schemas.microsoft.com/office/drawing/2010/main" w="9525">
                   <a:solidFill>
                     <a:srgbClr val="000000"/>
                   </a:solidFill>
@@ -2575,7 +2574,7 @@
             </a:ln>
             <a:extLst>
               <a:ext uri="{91240B29-F687-4f45-9708-019B960494DF}">
-                <a14:hiddenLine xmlns:a14="http://schemas.microsoft.com/office/drawing/2010/main" xmlns="" w="9525">
+                <a14:hiddenLine xmlns="" xmlns:a14="http://schemas.microsoft.com/office/drawing/2010/main" w="9525">
                   <a:solidFill>
                     <a:srgbClr val="000000"/>
                   </a:solidFill>
@@ -2665,7 +2664,7 @@
             </a:ln>
             <a:extLst>
               <a:ext uri="{91240B29-F687-4f45-9708-019B960494DF}">
-                <a14:hiddenLine xmlns:a14="http://schemas.microsoft.com/office/drawing/2010/main" xmlns="" w="9525">
+                <a14:hiddenLine xmlns="" xmlns:a14="http://schemas.microsoft.com/office/drawing/2010/main" w="9525">
                   <a:solidFill>
                     <a:srgbClr val="000000"/>
                   </a:solidFill>
@@ -2733,7 +2732,7 @@
             </a:ln>
             <a:extLst>
               <a:ext uri="{91240B29-F687-4f45-9708-019B960494DF}">
-                <a14:hiddenLine xmlns:a14="http://schemas.microsoft.com/office/drawing/2010/main" xmlns="" w="9525">
+                <a14:hiddenLine xmlns="" xmlns:a14="http://schemas.microsoft.com/office/drawing/2010/main" w="9525">
                   <a:solidFill>
                     <a:srgbClr val="000000"/>
                   </a:solidFill>
@@ -2795,7 +2794,7 @@
             </a:ln>
             <a:extLst>
               <a:ext uri="{91240B29-F687-4f45-9708-019B960494DF}">
-                <a14:hiddenLine xmlns:a14="http://schemas.microsoft.com/office/drawing/2010/main" xmlns="" w="9525">
+                <a14:hiddenLine xmlns="" xmlns:a14="http://schemas.microsoft.com/office/drawing/2010/main" w="9525">
                   <a:solidFill>
                     <a:srgbClr val="000000"/>
                   </a:solidFill>
@@ -2885,7 +2884,7 @@
             </a:ln>
             <a:extLst>
               <a:ext uri="{91240B29-F687-4f45-9708-019B960494DF}">
-                <a14:hiddenLine xmlns:a14="http://schemas.microsoft.com/office/drawing/2010/main" xmlns="" w="9525">
+                <a14:hiddenLine xmlns="" xmlns:a14="http://schemas.microsoft.com/office/drawing/2010/main" w="9525">
                   <a:solidFill>
                     <a:srgbClr val="000000"/>
                   </a:solidFill>
@@ -2947,7 +2946,7 @@
             </a:ln>
             <a:extLst>
               <a:ext uri="{91240B29-F687-4f45-9708-019B960494DF}">
-                <a14:hiddenLine xmlns:a14="http://schemas.microsoft.com/office/drawing/2010/main" xmlns="" w="9525">
+                <a14:hiddenLine xmlns="" xmlns:a14="http://schemas.microsoft.com/office/drawing/2010/main" w="9525">
                   <a:solidFill>
                     <a:srgbClr val="000000"/>
                   </a:solidFill>
@@ -3037,7 +3036,7 @@
             </a:ln>
             <a:extLst>
               <a:ext uri="{91240B29-F687-4f45-9708-019B960494DF}">
-                <a14:hiddenLine xmlns:a14="http://schemas.microsoft.com/office/drawing/2010/main" xmlns="" w="9525">
+                <a14:hiddenLine xmlns="" xmlns:a14="http://schemas.microsoft.com/office/drawing/2010/main" w="9525">
                   <a:solidFill>
                     <a:srgbClr val="000000"/>
                   </a:solidFill>
@@ -3099,7 +3098,7 @@
             </a:ln>
             <a:extLst>
               <a:ext uri="{91240B29-F687-4f45-9708-019B960494DF}">
-                <a14:hiddenLine xmlns:a14="http://schemas.microsoft.com/office/drawing/2010/main" xmlns="" w="9525">
+                <a14:hiddenLine xmlns="" xmlns:a14="http://schemas.microsoft.com/office/drawing/2010/main" w="9525">
                   <a:solidFill>
                     <a:srgbClr val="000000"/>
                   </a:solidFill>
@@ -3189,7 +3188,7 @@
             </a:ln>
             <a:extLst>
               <a:ext uri="{91240B29-F687-4f45-9708-019B960494DF}">
-                <a14:hiddenLine xmlns:a14="http://schemas.microsoft.com/office/drawing/2010/main" xmlns="" w="9525">
+                <a14:hiddenLine xmlns="" xmlns:a14="http://schemas.microsoft.com/office/drawing/2010/main" w="9525">
                   <a:solidFill>
                     <a:srgbClr val="000000"/>
                   </a:solidFill>
@@ -3223,7 +3222,7 @@
             </a:ln>
             <a:extLst>
               <a:ext uri="{91240B29-F687-4f45-9708-019B960494DF}">
-                <a14:hiddenLine xmlns:a14="http://schemas.microsoft.com/office/drawing/2010/main" xmlns="" w="9525">
+                <a14:hiddenLine xmlns="" xmlns:a14="http://schemas.microsoft.com/office/drawing/2010/main" w="9525">
                   <a:solidFill>
                     <a:srgbClr val="000000"/>
                   </a:solidFill>
@@ -3288,7 +3287,7 @@
             </a:ln>
             <a:extLst>
               <a:ext uri="{91240B29-F687-4f45-9708-019B960494DF}">
-                <a14:hiddenLine xmlns:a14="http://schemas.microsoft.com/office/drawing/2010/main" xmlns="" w="9525">
+                <a14:hiddenLine xmlns="" xmlns:a14="http://schemas.microsoft.com/office/drawing/2010/main" w="9525">
                   <a:solidFill>
                     <a:srgbClr val="000000"/>
                   </a:solidFill>
@@ -3378,7 +3377,7 @@
             </a:ln>
             <a:extLst>
               <a:ext uri="{91240B29-F687-4f45-9708-019B960494DF}">
-                <a14:hiddenLine xmlns:a14="http://schemas.microsoft.com/office/drawing/2010/main" xmlns="" w="9525">
+                <a14:hiddenLine xmlns="" xmlns:a14="http://schemas.microsoft.com/office/drawing/2010/main" w="9525">
                   <a:solidFill>
                     <a:srgbClr val="000000"/>
                   </a:solidFill>
@@ -3440,7 +3439,7 @@
             </a:ln>
             <a:extLst>
               <a:ext uri="{91240B29-F687-4f45-9708-019B960494DF}">
-                <a14:hiddenLine xmlns:a14="http://schemas.microsoft.com/office/drawing/2010/main" xmlns="" w="9525">
+                <a14:hiddenLine xmlns="" xmlns:a14="http://schemas.microsoft.com/office/drawing/2010/main" w="9525">
                   <a:solidFill>
                     <a:srgbClr val="000000"/>
                   </a:solidFill>
@@ -3530,7 +3529,7 @@
             </a:ln>
             <a:extLst>
               <a:ext uri="{91240B29-F687-4f45-9708-019B960494DF}">
-                <a14:hiddenLine xmlns:a14="http://schemas.microsoft.com/office/drawing/2010/main" xmlns="" w="9525">
+                <a14:hiddenLine xmlns="" xmlns:a14="http://schemas.microsoft.com/office/drawing/2010/main" w="9525">
                   <a:solidFill>
                     <a:srgbClr val="000000"/>
                   </a:solidFill>
@@ -3620,7 +3619,7 @@
             </a:ln>
             <a:extLst>
               <a:ext uri="{91240B29-F687-4f45-9708-019B960494DF}">
-                <a14:hiddenLine xmlns:a14="http://schemas.microsoft.com/office/drawing/2010/main" xmlns="" w="9525">
+                <a14:hiddenLine xmlns="" xmlns:a14="http://schemas.microsoft.com/office/drawing/2010/main" w="9525">
                   <a:solidFill>
                     <a:srgbClr val="000000"/>
                   </a:solidFill>
@@ -3685,7 +3684,7 @@
             </a:ln>
             <a:extLst>
               <a:ext uri="{91240B29-F687-4f45-9708-019B960494DF}">
-                <a14:hiddenLine xmlns:a14="http://schemas.microsoft.com/office/drawing/2010/main" xmlns="" w="9525">
+                <a14:hiddenLine xmlns="" xmlns:a14="http://schemas.microsoft.com/office/drawing/2010/main" w="9525">
                   <a:solidFill>
                     <a:srgbClr val="000000"/>
                   </a:solidFill>
@@ -3747,7 +3746,7 @@
             </a:ln>
             <a:extLst>
               <a:ext uri="{91240B29-F687-4f45-9708-019B960494DF}">
-                <a14:hiddenLine xmlns:a14="http://schemas.microsoft.com/office/drawing/2010/main" xmlns="" w="9525">
+                <a14:hiddenLine xmlns="" xmlns:a14="http://schemas.microsoft.com/office/drawing/2010/main" w="9525">
                   <a:solidFill>
                     <a:srgbClr val="000000"/>
                   </a:solidFill>
@@ -3837,7 +3836,7 @@
             </a:ln>
             <a:extLst>
               <a:ext uri="{91240B29-F687-4f45-9708-019B960494DF}">
-                <a14:hiddenLine xmlns:a14="http://schemas.microsoft.com/office/drawing/2010/main" xmlns="" w="9525">
+                <a14:hiddenLine xmlns="" xmlns:a14="http://schemas.microsoft.com/office/drawing/2010/main" w="9525">
                   <a:solidFill>
                     <a:srgbClr val="000000"/>
                   </a:solidFill>
@@ -3927,7 +3926,7 @@
             </a:ln>
             <a:extLst>
               <a:ext uri="{91240B29-F687-4f45-9708-019B960494DF}">
-                <a14:hiddenLine xmlns:a14="http://schemas.microsoft.com/office/drawing/2010/main" xmlns="" w="9525">
+                <a14:hiddenLine xmlns="" xmlns:a14="http://schemas.microsoft.com/office/drawing/2010/main" w="9525">
                   <a:solidFill>
                     <a:srgbClr val="000000"/>
                   </a:solidFill>
@@ -3989,7 +3988,7 @@
             </a:ln>
             <a:extLst>
               <a:ext uri="{91240B29-F687-4f45-9708-019B960494DF}">
-                <a14:hiddenLine xmlns:a14="http://schemas.microsoft.com/office/drawing/2010/main" xmlns="" w="9525">
+                <a14:hiddenLine xmlns="" xmlns:a14="http://schemas.microsoft.com/office/drawing/2010/main" w="9525">
                   <a:solidFill>
                     <a:srgbClr val="000000"/>
                   </a:solidFill>
@@ -4109,7 +4108,7 @@
             </a:ln>
             <a:extLst>
               <a:ext uri="{91240B29-F687-4f45-9708-019B960494DF}">
-                <a14:hiddenLine xmlns:a14="http://schemas.microsoft.com/office/drawing/2010/main" xmlns="" w="9525">
+                <a14:hiddenLine xmlns="" xmlns:a14="http://schemas.microsoft.com/office/drawing/2010/main" w="9525">
                   <a:solidFill>
                     <a:srgbClr val="000000"/>
                   </a:solidFill>
@@ -4177,7 +4176,7 @@
             </a:ln>
             <a:extLst>
               <a:ext uri="{91240B29-F687-4f45-9708-019B960494DF}">
-                <a14:hiddenLine xmlns:a14="http://schemas.microsoft.com/office/drawing/2010/main" xmlns="" w="9525">
+                <a14:hiddenLine xmlns="" xmlns:a14="http://schemas.microsoft.com/office/drawing/2010/main" w="9525">
                   <a:solidFill>
                     <a:srgbClr val="000000"/>
                   </a:solidFill>
@@ -4267,7 +4266,7 @@
             </a:ln>
             <a:extLst>
               <a:ext uri="{91240B29-F687-4f45-9708-019B960494DF}">
-                <a14:hiddenLine xmlns:a14="http://schemas.microsoft.com/office/drawing/2010/main" xmlns="" w="9525">
+                <a14:hiddenLine xmlns="" xmlns:a14="http://schemas.microsoft.com/office/drawing/2010/main" w="9525">
                   <a:solidFill>
                     <a:srgbClr val="000000"/>
                   </a:solidFill>
@@ -4407,7 +4406,7 @@
           <a:p>
             <a:fld id="{24C84F24-91F7-4296-8AEF-995D663D7F28}" type="datetimeFigureOut">
               <a:rPr lang="en-GB" smtClean="0"/>
-              <a:t>19/03/2018</a:t>
+              <a:t>22/03/2018</a:t>
             </a:fld>
             <a:endParaRPr lang="en-GB"/>
           </a:p>
@@ -4674,7 +4673,7 @@
           <a:p>
             <a:fld id="{24C84F24-91F7-4296-8AEF-995D663D7F28}" type="datetimeFigureOut">
               <a:rPr lang="en-GB" smtClean="0"/>
-              <a:t>19/03/2018</a:t>
+              <a:t>22/03/2018</a:t>
             </a:fld>
             <a:endParaRPr lang="en-GB"/>
           </a:p>
@@ -4870,7 +4869,7 @@
           <a:p>
             <a:fld id="{24C84F24-91F7-4296-8AEF-995D663D7F28}" type="datetimeFigureOut">
               <a:rPr lang="en-GB" smtClean="0"/>
-              <a:t>19/03/2018</a:t>
+              <a:t>22/03/2018</a:t>
             </a:fld>
             <a:endParaRPr lang="en-GB"/>
           </a:p>
@@ -5133,7 +5132,7 @@
           <a:p>
             <a:fld id="{24C84F24-91F7-4296-8AEF-995D663D7F28}" type="datetimeFigureOut">
               <a:rPr lang="en-GB" smtClean="0"/>
-              <a:t>19/03/2018</a:t>
+              <a:t>22/03/2018</a:t>
             </a:fld>
             <a:endParaRPr lang="en-GB"/>
           </a:p>
@@ -5567,7 +5566,7 @@
           <a:p>
             <a:fld id="{24C84F24-91F7-4296-8AEF-995D663D7F28}" type="datetimeFigureOut">
               <a:rPr lang="en-GB" smtClean="0"/>
-              <a:t>19/03/2018</a:t>
+              <a:t>22/03/2018</a:t>
             </a:fld>
             <a:endParaRPr lang="en-GB"/>
           </a:p>
@@ -6113,7 +6112,7 @@
           <a:p>
             <a:fld id="{24C84F24-91F7-4296-8AEF-995D663D7F28}" type="datetimeFigureOut">
               <a:rPr lang="en-GB" smtClean="0"/>
-              <a:t>19/03/2018</a:t>
+              <a:t>22/03/2018</a:t>
             </a:fld>
             <a:endParaRPr lang="en-GB"/>
           </a:p>
@@ -6833,7 +6832,7 @@
           <a:p>
             <a:fld id="{24C84F24-91F7-4296-8AEF-995D663D7F28}" type="datetimeFigureOut">
               <a:rPr lang="en-GB" smtClean="0"/>
-              <a:t>19/03/2018</a:t>
+              <a:t>22/03/2018</a:t>
             </a:fld>
             <a:endParaRPr lang="en-GB"/>
           </a:p>
@@ -7003,7 +7002,7 @@
           <a:p>
             <a:fld id="{24C84F24-91F7-4296-8AEF-995D663D7F28}" type="datetimeFigureOut">
               <a:rPr lang="en-GB" smtClean="0"/>
-              <a:t>19/03/2018</a:t>
+              <a:t>22/03/2018</a:t>
             </a:fld>
             <a:endParaRPr lang="en-GB"/>
           </a:p>
@@ -7183,7 +7182,7 @@
           <a:p>
             <a:fld id="{24C84F24-91F7-4296-8AEF-995D663D7F28}" type="datetimeFigureOut">
               <a:rPr lang="en-GB" smtClean="0"/>
-              <a:t>19/03/2018</a:t>
+              <a:t>22/03/2018</a:t>
             </a:fld>
             <a:endParaRPr lang="en-GB"/>
           </a:p>
@@ -7353,7 +7352,7 @@
           <a:p>
             <a:fld id="{24C84F24-91F7-4296-8AEF-995D663D7F28}" type="datetimeFigureOut">
               <a:rPr lang="en-GB" smtClean="0"/>
-              <a:t>19/03/2018</a:t>
+              <a:t>22/03/2018</a:t>
             </a:fld>
             <a:endParaRPr lang="en-GB"/>
           </a:p>
@@ -7603,7 +7602,7 @@
           <a:p>
             <a:fld id="{24C84F24-91F7-4296-8AEF-995D663D7F28}" type="datetimeFigureOut">
               <a:rPr lang="en-GB" smtClean="0"/>
-              <a:t>19/03/2018</a:t>
+              <a:t>22/03/2018</a:t>
             </a:fld>
             <a:endParaRPr lang="en-GB"/>
           </a:p>
@@ -7835,7 +7834,7 @@
           <a:p>
             <a:fld id="{24C84F24-91F7-4296-8AEF-995D663D7F28}" type="datetimeFigureOut">
               <a:rPr lang="en-GB" smtClean="0"/>
-              <a:t>19/03/2018</a:t>
+              <a:t>22/03/2018</a:t>
             </a:fld>
             <a:endParaRPr lang="en-GB"/>
           </a:p>
@@ -8216,7 +8215,7 @@
           <a:p>
             <a:fld id="{24C84F24-91F7-4296-8AEF-995D663D7F28}" type="datetimeFigureOut">
               <a:rPr lang="en-GB" smtClean="0"/>
-              <a:t>19/03/2018</a:t>
+              <a:t>22/03/2018</a:t>
             </a:fld>
             <a:endParaRPr lang="en-GB"/>
           </a:p>
@@ -8334,7 +8333,7 @@
           <a:p>
             <a:fld id="{24C84F24-91F7-4296-8AEF-995D663D7F28}" type="datetimeFigureOut">
               <a:rPr lang="en-GB" smtClean="0"/>
-              <a:t>19/03/2018</a:t>
+              <a:t>22/03/2018</a:t>
             </a:fld>
             <a:endParaRPr lang="en-GB"/>
           </a:p>
@@ -8429,7 +8428,7 @@
           <a:p>
             <a:fld id="{24C84F24-91F7-4296-8AEF-995D663D7F28}" type="datetimeFigureOut">
               <a:rPr lang="en-GB" smtClean="0"/>
-              <a:t>19/03/2018</a:t>
+              <a:t>22/03/2018</a:t>
             </a:fld>
             <a:endParaRPr lang="en-GB"/>
           </a:p>
@@ -8678,7 +8677,7 @@
           <a:p>
             <a:fld id="{24C84F24-91F7-4296-8AEF-995D663D7F28}" type="datetimeFigureOut">
               <a:rPr lang="en-GB" smtClean="0"/>
-              <a:t>19/03/2018</a:t>
+              <a:t>22/03/2018</a:t>
             </a:fld>
             <a:endParaRPr lang="en-GB"/>
           </a:p>
@@ -8958,7 +8957,7 @@
           <a:p>
             <a:fld id="{24C84F24-91F7-4296-8AEF-995D663D7F28}" type="datetimeFigureOut">
               <a:rPr lang="en-GB" smtClean="0"/>
-              <a:t>19/03/2018</a:t>
+              <a:t>22/03/2018</a:t>
             </a:fld>
             <a:endParaRPr lang="en-GB"/>
           </a:p>
@@ -9081,7 +9080,7 @@
           <a:noFill/>
           <a:extLst>
             <a:ext uri="{909E8E84-426E-40dd-AFC4-6F175D3DCCD1}">
-              <a14:hiddenFill xmlns:a14="http://schemas.microsoft.com/office/drawing/2010/main" xmlns="">
+              <a14:hiddenFill xmlns="" xmlns:a14="http://schemas.microsoft.com/office/drawing/2010/main">
                 <a:solidFill>
                   <a:srgbClr val="FFFFFF"/>
                 </a:solidFill>
@@ -9155,7 +9154,7 @@
               </a:ln>
               <a:extLst>
                 <a:ext uri="{91240B29-F687-4f45-9708-019B960494DF}">
-                  <a14:hiddenLine xmlns:a14="http://schemas.microsoft.com/office/drawing/2010/main" xmlns="" w="9525">
+                  <a14:hiddenLine xmlns="" xmlns:a14="http://schemas.microsoft.com/office/drawing/2010/main" w="9525">
                     <a:solidFill>
                       <a:srgbClr val="000000"/>
                     </a:solidFill>
@@ -9245,7 +9244,7 @@
               </a:ln>
               <a:extLst>
                 <a:ext uri="{91240B29-F687-4f45-9708-019B960494DF}">
-                  <a14:hiddenLine xmlns:a14="http://schemas.microsoft.com/office/drawing/2010/main" xmlns="" w="9525">
+                  <a14:hiddenLine xmlns="" xmlns:a14="http://schemas.microsoft.com/office/drawing/2010/main" w="9525">
                     <a:solidFill>
                       <a:srgbClr val="000000"/>
                     </a:solidFill>
@@ -9335,7 +9334,7 @@
               </a:ln>
               <a:extLst>
                 <a:ext uri="{91240B29-F687-4f45-9708-019B960494DF}">
-                  <a14:hiddenLine xmlns:a14="http://schemas.microsoft.com/office/drawing/2010/main" xmlns="" w="9525">
+                  <a14:hiddenLine xmlns="" xmlns:a14="http://schemas.microsoft.com/office/drawing/2010/main" w="9525">
                     <a:solidFill>
                       <a:srgbClr val="000000"/>
                     </a:solidFill>
@@ -9397,7 +9396,7 @@
               </a:ln>
               <a:extLst>
                 <a:ext uri="{91240B29-F687-4f45-9708-019B960494DF}">
-                  <a14:hiddenLine xmlns:a14="http://schemas.microsoft.com/office/drawing/2010/main" xmlns="" w="9525">
+                  <a14:hiddenLine xmlns="" xmlns:a14="http://schemas.microsoft.com/office/drawing/2010/main" w="9525">
                     <a:solidFill>
                       <a:srgbClr val="000000"/>
                     </a:solidFill>
@@ -9487,7 +9486,7 @@
               </a:ln>
               <a:extLst>
                 <a:ext uri="{91240B29-F687-4f45-9708-019B960494DF}">
-                  <a14:hiddenLine xmlns:a14="http://schemas.microsoft.com/office/drawing/2010/main" xmlns="" w="9525">
+                  <a14:hiddenLine xmlns="" xmlns:a14="http://schemas.microsoft.com/office/drawing/2010/main" w="9525">
                     <a:solidFill>
                       <a:srgbClr val="000000"/>
                     </a:solidFill>
@@ -9549,7 +9548,7 @@
               </a:ln>
               <a:extLst>
                 <a:ext uri="{91240B29-F687-4f45-9708-019B960494DF}">
-                  <a14:hiddenLine xmlns:a14="http://schemas.microsoft.com/office/drawing/2010/main" xmlns="" w="9525">
+                  <a14:hiddenLine xmlns="" xmlns:a14="http://schemas.microsoft.com/office/drawing/2010/main" w="9525">
                     <a:solidFill>
                       <a:srgbClr val="000000"/>
                     </a:solidFill>
@@ -9611,7 +9610,7 @@
               </a:ln>
               <a:extLst>
                 <a:ext uri="{91240B29-F687-4f45-9708-019B960494DF}">
-                  <a14:hiddenLine xmlns:a14="http://schemas.microsoft.com/office/drawing/2010/main" xmlns="" w="9525">
+                  <a14:hiddenLine xmlns="" xmlns:a14="http://schemas.microsoft.com/office/drawing/2010/main" w="9525">
                     <a:solidFill>
                       <a:srgbClr val="000000"/>
                     </a:solidFill>
@@ -9701,7 +9700,7 @@
               </a:ln>
               <a:extLst>
                 <a:ext uri="{91240B29-F687-4f45-9708-019B960494DF}">
-                  <a14:hiddenLine xmlns:a14="http://schemas.microsoft.com/office/drawing/2010/main" xmlns="" w="9525">
+                  <a14:hiddenLine xmlns="" xmlns:a14="http://schemas.microsoft.com/office/drawing/2010/main" w="9525">
                     <a:solidFill>
                       <a:srgbClr val="000000"/>
                     </a:solidFill>
@@ -9791,7 +9790,7 @@
               </a:ln>
               <a:extLst>
                 <a:ext uri="{91240B29-F687-4f45-9708-019B960494DF}">
-                  <a14:hiddenLine xmlns:a14="http://schemas.microsoft.com/office/drawing/2010/main" xmlns="" w="9525">
+                  <a14:hiddenLine xmlns="" xmlns:a14="http://schemas.microsoft.com/office/drawing/2010/main" w="9525">
                     <a:solidFill>
                       <a:srgbClr val="000000"/>
                     </a:solidFill>
@@ -9853,7 +9852,7 @@
               </a:ln>
               <a:extLst>
                 <a:ext uri="{91240B29-F687-4f45-9708-019B960494DF}">
-                  <a14:hiddenLine xmlns:a14="http://schemas.microsoft.com/office/drawing/2010/main" xmlns="" w="9525">
+                  <a14:hiddenLine xmlns="" xmlns:a14="http://schemas.microsoft.com/office/drawing/2010/main" w="9525">
                     <a:solidFill>
                       <a:srgbClr val="000000"/>
                     </a:solidFill>
@@ -9963,7 +9962,7 @@
               </a:ln>
               <a:extLst>
                 <a:ext uri="{91240B29-F687-4f45-9708-019B960494DF}">
-                  <a14:hiddenLine xmlns:a14="http://schemas.microsoft.com/office/drawing/2010/main" xmlns="" w="9525">
+                  <a14:hiddenLine xmlns="" xmlns:a14="http://schemas.microsoft.com/office/drawing/2010/main" w="9525">
                     <a:solidFill>
                       <a:srgbClr val="000000"/>
                     </a:solidFill>
@@ -10047,7 +10046,7 @@
               </a:ln>
               <a:extLst>
                 <a:ext uri="{91240B29-F687-4f45-9708-019B960494DF}">
-                  <a14:hiddenLine xmlns:a14="http://schemas.microsoft.com/office/drawing/2010/main" xmlns="" w="9525">
+                  <a14:hiddenLine xmlns="" xmlns:a14="http://schemas.microsoft.com/office/drawing/2010/main" w="9525">
                     <a:solidFill>
                       <a:srgbClr val="000000"/>
                     </a:solidFill>
@@ -10109,7 +10108,7 @@
               </a:ln>
               <a:extLst>
                 <a:ext uri="{91240B29-F687-4f45-9708-019B960494DF}">
-                  <a14:hiddenLine xmlns:a14="http://schemas.microsoft.com/office/drawing/2010/main" xmlns="" w="9525">
+                  <a14:hiddenLine xmlns="" xmlns:a14="http://schemas.microsoft.com/office/drawing/2010/main" w="9525">
                     <a:solidFill>
                       <a:srgbClr val="000000"/>
                     </a:solidFill>
@@ -10171,7 +10170,7 @@
               </a:ln>
               <a:extLst>
                 <a:ext uri="{91240B29-F687-4f45-9708-019B960494DF}">
-                  <a14:hiddenLine xmlns:a14="http://schemas.microsoft.com/office/drawing/2010/main" xmlns="" w="9525">
+                  <a14:hiddenLine xmlns="" xmlns:a14="http://schemas.microsoft.com/office/drawing/2010/main" w="9525">
                     <a:solidFill>
                       <a:srgbClr val="000000"/>
                     </a:solidFill>
@@ -10261,7 +10260,7 @@
               </a:ln>
               <a:extLst>
                 <a:ext uri="{91240B29-F687-4f45-9708-019B960494DF}">
-                  <a14:hiddenLine xmlns:a14="http://schemas.microsoft.com/office/drawing/2010/main" xmlns="" w="9525">
+                  <a14:hiddenLine xmlns="" xmlns:a14="http://schemas.microsoft.com/office/drawing/2010/main" w="9525">
                     <a:solidFill>
                       <a:srgbClr val="000000"/>
                     </a:solidFill>
@@ -10295,7 +10294,7 @@
               </a:ln>
               <a:extLst>
                 <a:ext uri="{91240B29-F687-4f45-9708-019B960494DF}">
-                  <a14:hiddenLine xmlns:a14="http://schemas.microsoft.com/office/drawing/2010/main" xmlns="" w="9525">
+                  <a14:hiddenLine xmlns="" xmlns:a14="http://schemas.microsoft.com/office/drawing/2010/main" w="9525">
                     <a:solidFill>
                       <a:srgbClr val="000000"/>
                     </a:solidFill>
@@ -10360,7 +10359,7 @@
               </a:ln>
               <a:extLst>
                 <a:ext uri="{91240B29-F687-4f45-9708-019B960494DF}">
-                  <a14:hiddenLine xmlns:a14="http://schemas.microsoft.com/office/drawing/2010/main" xmlns="" w="9525">
+                  <a14:hiddenLine xmlns="" xmlns:a14="http://schemas.microsoft.com/office/drawing/2010/main" w="9525">
                     <a:solidFill>
                       <a:srgbClr val="000000"/>
                     </a:solidFill>
@@ -10450,7 +10449,7 @@
               </a:ln>
               <a:extLst>
                 <a:ext uri="{91240B29-F687-4f45-9708-019B960494DF}">
-                  <a14:hiddenLine xmlns:a14="http://schemas.microsoft.com/office/drawing/2010/main" xmlns="" w="9525">
+                  <a14:hiddenLine xmlns="" xmlns:a14="http://schemas.microsoft.com/office/drawing/2010/main" w="9525">
                     <a:solidFill>
                       <a:srgbClr val="000000"/>
                     </a:solidFill>
@@ -10512,7 +10511,7 @@
               </a:ln>
               <a:extLst>
                 <a:ext uri="{91240B29-F687-4f45-9708-019B960494DF}">
-                  <a14:hiddenLine xmlns:a14="http://schemas.microsoft.com/office/drawing/2010/main" xmlns="" w="9525">
+                  <a14:hiddenLine xmlns="" xmlns:a14="http://schemas.microsoft.com/office/drawing/2010/main" w="9525">
                     <a:solidFill>
                       <a:srgbClr val="000000"/>
                     </a:solidFill>
@@ -10602,7 +10601,7 @@
               </a:ln>
               <a:extLst>
                 <a:ext uri="{91240B29-F687-4f45-9708-019B960494DF}">
-                  <a14:hiddenLine xmlns:a14="http://schemas.microsoft.com/office/drawing/2010/main" xmlns="" w="9525">
+                  <a14:hiddenLine xmlns="" xmlns:a14="http://schemas.microsoft.com/office/drawing/2010/main" w="9525">
                     <a:solidFill>
                       <a:srgbClr val="000000"/>
                     </a:solidFill>
@@ -10667,7 +10666,7 @@
               </a:ln>
               <a:extLst>
                 <a:ext uri="{91240B29-F687-4f45-9708-019B960494DF}">
-                  <a14:hiddenLine xmlns:a14="http://schemas.microsoft.com/office/drawing/2010/main" xmlns="" w="9525">
+                  <a14:hiddenLine xmlns="" xmlns:a14="http://schemas.microsoft.com/office/drawing/2010/main" w="9525">
                     <a:solidFill>
                       <a:srgbClr val="000000"/>
                     </a:solidFill>
@@ -10729,7 +10728,7 @@
               </a:ln>
               <a:extLst>
                 <a:ext uri="{91240B29-F687-4f45-9708-019B960494DF}">
-                  <a14:hiddenLine xmlns:a14="http://schemas.microsoft.com/office/drawing/2010/main" xmlns="" w="9525">
+                  <a14:hiddenLine xmlns="" xmlns:a14="http://schemas.microsoft.com/office/drawing/2010/main" w="9525">
                     <a:solidFill>
                       <a:srgbClr val="000000"/>
                     </a:solidFill>
@@ -10819,7 +10818,7 @@
               </a:ln>
               <a:extLst>
                 <a:ext uri="{91240B29-F687-4f45-9708-019B960494DF}">
-                  <a14:hiddenLine xmlns:a14="http://schemas.microsoft.com/office/drawing/2010/main" xmlns="" w="9525">
+                  <a14:hiddenLine xmlns="" xmlns:a14="http://schemas.microsoft.com/office/drawing/2010/main" w="9525">
                     <a:solidFill>
                       <a:srgbClr val="000000"/>
                     </a:solidFill>
@@ -10909,7 +10908,7 @@
               </a:ln>
               <a:extLst>
                 <a:ext uri="{91240B29-F687-4f45-9708-019B960494DF}">
-                  <a14:hiddenLine xmlns:a14="http://schemas.microsoft.com/office/drawing/2010/main" xmlns="" w="9525">
+                  <a14:hiddenLine xmlns="" xmlns:a14="http://schemas.microsoft.com/office/drawing/2010/main" w="9525">
                     <a:solidFill>
                       <a:srgbClr val="000000"/>
                     </a:solidFill>
@@ -10974,7 +10973,7 @@
               </a:ln>
               <a:extLst>
                 <a:ext uri="{91240B29-F687-4f45-9708-019B960494DF}">
-                  <a14:hiddenLine xmlns:a14="http://schemas.microsoft.com/office/drawing/2010/main" xmlns="" w="9525">
+                  <a14:hiddenLine xmlns="" xmlns:a14="http://schemas.microsoft.com/office/drawing/2010/main" w="9525">
                     <a:solidFill>
                       <a:srgbClr val="000000"/>
                     </a:solidFill>
@@ -11094,7 +11093,7 @@
               </a:ln>
               <a:extLst>
                 <a:ext uri="{91240B29-F687-4f45-9708-019B960494DF}">
-                  <a14:hiddenLine xmlns:a14="http://schemas.microsoft.com/office/drawing/2010/main" xmlns="" w="9525">
+                  <a14:hiddenLine xmlns="" xmlns:a14="http://schemas.microsoft.com/office/drawing/2010/main" w="9525">
                     <a:solidFill>
                       <a:srgbClr val="000000"/>
                     </a:solidFill>
@@ -11175,7 +11174,7 @@
               </a:ln>
               <a:extLst>
                 <a:ext uri="{91240B29-F687-4f45-9708-019B960494DF}">
-                  <a14:hiddenLine xmlns:a14="http://schemas.microsoft.com/office/drawing/2010/main" xmlns="" w="9525">
+                  <a14:hiddenLine xmlns="" xmlns:a14="http://schemas.microsoft.com/office/drawing/2010/main" w="9525">
                     <a:solidFill>
                       <a:srgbClr val="000000"/>
                     </a:solidFill>
@@ -11290,7 +11289,7 @@
               </a:ln>
               <a:extLst>
                 <a:ext uri="{91240B29-F687-4f45-9708-019B960494DF}">
-                  <a14:hiddenLine xmlns:a14="http://schemas.microsoft.com/office/drawing/2010/main" xmlns="" w="9525">
+                  <a14:hiddenLine xmlns="" xmlns:a14="http://schemas.microsoft.com/office/drawing/2010/main" w="9525">
                     <a:solidFill>
                       <a:srgbClr val="000000"/>
                     </a:solidFill>
@@ -11380,7 +11379,7 @@
               </a:ln>
               <a:extLst>
                 <a:ext uri="{91240B29-F687-4f45-9708-019B960494DF}">
-                  <a14:hiddenLine xmlns:a14="http://schemas.microsoft.com/office/drawing/2010/main" xmlns="" w="9525">
+                  <a14:hiddenLine xmlns="" xmlns:a14="http://schemas.microsoft.com/office/drawing/2010/main" w="9525">
                     <a:solidFill>
                       <a:srgbClr val="000000"/>
                     </a:solidFill>
@@ -11445,7 +11444,7 @@
               </a:ln>
               <a:extLst>
                 <a:ext uri="{91240B29-F687-4f45-9708-019B960494DF}">
-                  <a14:hiddenLine xmlns:a14="http://schemas.microsoft.com/office/drawing/2010/main" xmlns="" w="9525">
+                  <a14:hiddenLine xmlns="" xmlns:a14="http://schemas.microsoft.com/office/drawing/2010/main" w="9525">
                     <a:solidFill>
                       <a:srgbClr val="000000"/>
                     </a:solidFill>
@@ -11535,7 +11534,7 @@
               </a:ln>
               <a:extLst>
                 <a:ext uri="{91240B29-F687-4f45-9708-019B960494DF}">
-                  <a14:hiddenLine xmlns:a14="http://schemas.microsoft.com/office/drawing/2010/main" xmlns="" w="9525">
+                  <a14:hiddenLine xmlns="" xmlns:a14="http://schemas.microsoft.com/office/drawing/2010/main" w="9525">
                     <a:solidFill>
                       <a:srgbClr val="000000"/>
                     </a:solidFill>
@@ -11603,7 +11602,7 @@
               </a:ln>
               <a:extLst>
                 <a:ext uri="{91240B29-F687-4f45-9708-019B960494DF}">
-                  <a14:hiddenLine xmlns:a14="http://schemas.microsoft.com/office/drawing/2010/main" xmlns="" w="9525">
+                  <a14:hiddenLine xmlns="" xmlns:a14="http://schemas.microsoft.com/office/drawing/2010/main" w="9525">
                     <a:solidFill>
                       <a:srgbClr val="000000"/>
                     </a:solidFill>
@@ -11693,7 +11692,7 @@
               </a:ln>
               <a:extLst>
                 <a:ext uri="{91240B29-F687-4f45-9708-019B960494DF}">
-                  <a14:hiddenLine xmlns:a14="http://schemas.microsoft.com/office/drawing/2010/main" xmlns="" w="9525">
+                  <a14:hiddenLine xmlns="" xmlns:a14="http://schemas.microsoft.com/office/drawing/2010/main" w="9525">
                     <a:solidFill>
                       <a:srgbClr val="000000"/>
                     </a:solidFill>
@@ -11761,7 +11760,7 @@
               </a:ln>
               <a:extLst>
                 <a:ext uri="{91240B29-F687-4f45-9708-019B960494DF}">
-                  <a14:hiddenLine xmlns:a14="http://schemas.microsoft.com/office/drawing/2010/main" xmlns="" w="9525">
+                  <a14:hiddenLine xmlns="" xmlns:a14="http://schemas.microsoft.com/office/drawing/2010/main" w="9525">
                     <a:solidFill>
                       <a:srgbClr val="000000"/>
                     </a:solidFill>
@@ -11851,7 +11850,7 @@
               </a:ln>
               <a:extLst>
                 <a:ext uri="{91240B29-F687-4f45-9708-019B960494DF}">
-                  <a14:hiddenLine xmlns:a14="http://schemas.microsoft.com/office/drawing/2010/main" xmlns="" w="9525">
+                  <a14:hiddenLine xmlns="" xmlns:a14="http://schemas.microsoft.com/office/drawing/2010/main" w="9525">
                     <a:solidFill>
                       <a:srgbClr val="000000"/>
                     </a:solidFill>
@@ -11885,7 +11884,7 @@
               </a:ln>
               <a:extLst>
                 <a:ext uri="{91240B29-F687-4f45-9708-019B960494DF}">
-                  <a14:hiddenLine xmlns:a14="http://schemas.microsoft.com/office/drawing/2010/main" xmlns="" w="9525">
+                  <a14:hiddenLine xmlns="" xmlns:a14="http://schemas.microsoft.com/office/drawing/2010/main" w="9525">
                     <a:solidFill>
                       <a:srgbClr val="000000"/>
                     </a:solidFill>
@@ -12025,7 +12024,7 @@
           <a:p>
             <a:fld id="{24C84F24-91F7-4296-8AEF-995D663D7F28}" type="datetimeFigureOut">
               <a:rPr lang="en-GB" smtClean="0"/>
-              <a:t>19/03/2018</a:t>
+              <a:t>22/03/2018</a:t>
             </a:fld>
             <a:endParaRPr lang="en-GB"/>
           </a:p>
@@ -12450,7 +12449,7 @@
           <p:cNvPr id="2" name="Title 1">
             <a:extLst>
               <a:ext uri="{FF2B5EF4-FFF2-40B4-BE49-F238E27FC236}">
-                <a16:creationId xmlns="" xmlns:a16="http://schemas.microsoft.com/office/drawing/2014/main" id="{91AE214F-002F-4DAC-B7FB-05CD196E8FBF}"/>
+                <a16:creationId xmlns:a16="http://schemas.microsoft.com/office/drawing/2014/main" xmlns="" id="{91AE214F-002F-4DAC-B7FB-05CD196E8FBF}"/>
               </a:ext>
             </a:extLst>
           </p:cNvPr>
@@ -12506,214 +12505,10 @@
       </p:grpSpPr>
       <p:sp>
         <p:nvSpPr>
-          <p:cNvPr id="9" name="Text Placeholder 8">
-            <a:extLst>
-              <a:ext uri="{FF2B5EF4-FFF2-40B4-BE49-F238E27FC236}">
-                <a16:creationId xmlns="" xmlns:a16="http://schemas.microsoft.com/office/drawing/2014/main" id="{6B0609BC-B6C3-4688-B8F9-BE3E0A7D41DE}"/>
-              </a:ext>
-            </a:extLst>
-          </p:cNvPr>
-          <p:cNvSpPr>
-            <a:spLocks noGrp="1"/>
-          </p:cNvSpPr>
-          <p:nvPr>
-            <p:ph type="body" idx="1"/>
-          </p:nvPr>
-        </p:nvSpPr>
-        <p:spPr>
-          <a:xfrm>
-            <a:off x="1319219" y="1347786"/>
-            <a:ext cx="4649783" cy="823912"/>
-          </a:xfrm>
-        </p:spPr>
-        <p:txBody>
-          <a:bodyPr/>
-          <a:lstStyle/>
-          <a:p>
-            <a:r>
-              <a:rPr lang="en-GB" b="1" i="1" cap="none" dirty="0">
-                <a:latin typeface="Calibri Light" panose="020F0302020204030204" pitchFamily="34" charset="0"/>
-                <a:cs typeface="Calibri Light" panose="020F0302020204030204" pitchFamily="34" charset="0"/>
-              </a:rPr>
-              <a:t>Existing Request/Response Architecture</a:t>
-            </a:r>
-          </a:p>
-        </p:txBody>
-      </p:sp>
-      <p:pic>
-        <p:nvPicPr>
-          <p:cNvPr id="6" name="Content Placeholder 5">
-            <a:extLst>
-              <a:ext uri="{FF2B5EF4-FFF2-40B4-BE49-F238E27FC236}">
-                <a16:creationId xmlns="" xmlns:a16="http://schemas.microsoft.com/office/drawing/2014/main" id="{0AA310D3-5962-49C0-A636-5237905DFA1B}"/>
-              </a:ext>
-            </a:extLst>
-          </p:cNvPr>
-          <p:cNvPicPr>
-            <a:picLocks noGrp="1"/>
-          </p:cNvPicPr>
-          <p:nvPr>
-            <p:ph sz="half" idx="2"/>
-          </p:nvPr>
-        </p:nvPicPr>
-        <p:blipFill>
-          <a:blip r:embed="rId2">
-            <a:extLst>
-              <a:ext uri="{28A0092B-C50C-407E-A947-70E740481C1C}">
-                <a14:useLocalDpi xmlns:a14="http://schemas.microsoft.com/office/drawing/2010/main" val="0"/>
-              </a:ext>
-            </a:extLst>
-          </a:blip>
-          <a:stretch>
-            <a:fillRect/>
-          </a:stretch>
-        </p:blipFill>
-        <p:spPr bwMode="auto">
-          <a:xfrm>
-            <a:off x="1104900" y="2413000"/>
-            <a:ext cx="4720907" cy="3378200"/>
-          </a:xfrm>
-          <a:prstGeom prst="rect">
-            <a:avLst/>
-          </a:prstGeom>
-          <a:noFill/>
-          <a:ln>
-            <a:noFill/>
-          </a:ln>
-        </p:spPr>
-      </p:pic>
-      <p:sp>
-        <p:nvSpPr>
-          <p:cNvPr id="10" name="Text Placeholder 9">
-            <a:extLst>
-              <a:ext uri="{FF2B5EF4-FFF2-40B4-BE49-F238E27FC236}">
-                <a16:creationId xmlns="" xmlns:a16="http://schemas.microsoft.com/office/drawing/2014/main" id="{5B475B40-2A39-4A12-BD76-607746BAA1D0}"/>
-              </a:ext>
-            </a:extLst>
-          </p:cNvPr>
-          <p:cNvSpPr>
-            <a:spLocks noGrp="1"/>
-          </p:cNvSpPr>
-          <p:nvPr>
-            <p:ph type="body" sz="quarter" idx="3"/>
-          </p:nvPr>
-        </p:nvSpPr>
-        <p:spPr>
-          <a:xfrm>
-            <a:off x="6350008" y="1347785"/>
-            <a:ext cx="4646602" cy="823912"/>
-          </a:xfrm>
-        </p:spPr>
-        <p:txBody>
-          <a:bodyPr/>
-          <a:lstStyle/>
-          <a:p>
-            <a:r>
-              <a:rPr lang="en-GB" b="1" i="1" cap="none" dirty="0">
-                <a:latin typeface="Calibri Light" panose="020F0302020204030204" pitchFamily="34" charset="0"/>
-                <a:ea typeface="Calibri" panose="020F0502020204030204" pitchFamily="34" charset="0"/>
-                <a:cs typeface="Calibri Light" panose="020F0302020204030204" pitchFamily="34" charset="0"/>
-              </a:rPr>
-              <a:t>Node </a:t>
-            </a:r>
-            <a:r>
-              <a:rPr lang="en-GB" b="1" i="1" cap="none" dirty="0" err="1">
-                <a:latin typeface="Calibri Light" panose="020F0302020204030204" pitchFamily="34" charset="0"/>
-                <a:ea typeface="Calibri" panose="020F0502020204030204" pitchFamily="34" charset="0"/>
-                <a:cs typeface="Calibri Light" panose="020F0302020204030204" pitchFamily="34" charset="0"/>
-              </a:rPr>
-              <a:t>js</a:t>
-            </a:r>
-            <a:r>
-              <a:rPr lang="en-GB" b="1" i="1" cap="none" dirty="0">
-                <a:latin typeface="Calibri Light" panose="020F0302020204030204" pitchFamily="34" charset="0"/>
-                <a:ea typeface="Calibri" panose="020F0502020204030204" pitchFamily="34" charset="0"/>
-                <a:cs typeface="Calibri Light" panose="020F0302020204030204" pitchFamily="34" charset="0"/>
-              </a:rPr>
-              <a:t> Request/Response Architecture (Single Threaded)</a:t>
-            </a:r>
-            <a:endParaRPr lang="en-GB" dirty="0"/>
-          </a:p>
-        </p:txBody>
-      </p:sp>
-      <p:pic>
-        <p:nvPicPr>
-          <p:cNvPr id="8" name="Content Placeholder 3">
-            <a:extLst>
-              <a:ext uri="{FF2B5EF4-FFF2-40B4-BE49-F238E27FC236}">
-                <a16:creationId xmlns="" xmlns:a16="http://schemas.microsoft.com/office/drawing/2014/main" id="{BC12E171-7878-49D7-80D0-5064C3C39E83}"/>
-              </a:ext>
-            </a:extLst>
-          </p:cNvPr>
-          <p:cNvPicPr>
-            <a:picLocks noGrp="1"/>
-          </p:cNvPicPr>
-          <p:nvPr>
-            <p:ph sz="quarter" idx="4"/>
-          </p:nvPr>
-        </p:nvPicPr>
-        <p:blipFill>
-          <a:blip r:embed="rId3">
-            <a:extLst>
-              <a:ext uri="{28A0092B-C50C-407E-A947-70E740481C1C}">
-                <a14:useLocalDpi xmlns:a14="http://schemas.microsoft.com/office/drawing/2010/main" val="0"/>
-              </a:ext>
-            </a:extLst>
-          </a:blip>
-          <a:stretch>
-            <a:fillRect/>
-          </a:stretch>
-        </p:blipFill>
-        <p:spPr bwMode="auto">
-          <a:xfrm>
-            <a:off x="6366194" y="2413000"/>
-            <a:ext cx="4895364" cy="3378200"/>
-          </a:xfrm>
-          <a:prstGeom prst="rect">
-            <a:avLst/>
-          </a:prstGeom>
-          <a:noFill/>
-          <a:ln>
-            <a:noFill/>
-          </a:ln>
-        </p:spPr>
-      </p:pic>
-    </p:spTree>
-    <p:extLst>
-      <p:ext uri="{BB962C8B-B14F-4D97-AF65-F5344CB8AC3E}">
-        <p14:creationId xmlns:p14="http://schemas.microsoft.com/office/powerpoint/2010/main" val="1176713319"/>
-      </p:ext>
-    </p:extLst>
-  </p:cSld>
-  <p:clrMapOvr>
-    <a:masterClrMapping/>
-  </p:clrMapOvr>
-</p:sld>
-</file>
-
-<file path=ppt/slides/slide11.xml><?xml version="1.0" encoding="utf-8"?>
-<p:sld xmlns:a="http://schemas.openxmlformats.org/drawingml/2006/main" xmlns:r="http://schemas.openxmlformats.org/officeDocument/2006/relationships" xmlns:p="http://schemas.openxmlformats.org/presentationml/2006/main">
-  <p:cSld>
-    <p:spTree>
-      <p:nvGrpSpPr>
-        <p:cNvPr id="1" name=""/>
-        <p:cNvGrpSpPr/>
-        <p:nvPr/>
-      </p:nvGrpSpPr>
-      <p:grpSpPr>
-        <a:xfrm>
-          <a:off x="0" y="0"/>
-          <a:ext cx="0" cy="0"/>
-          <a:chOff x="0" y="0"/>
-          <a:chExt cx="0" cy="0"/>
-        </a:xfrm>
-      </p:grpSpPr>
-      <p:sp>
-        <p:nvSpPr>
           <p:cNvPr id="4" name="Content Placeholder 3">
             <a:extLst>
               <a:ext uri="{FF2B5EF4-FFF2-40B4-BE49-F238E27FC236}">
-                <a16:creationId xmlns="" xmlns:a16="http://schemas.microsoft.com/office/drawing/2014/main" id="{C38DE4EF-AD08-40D7-A28F-E8D5096D332D}"/>
+                <a16:creationId xmlns:a16="http://schemas.microsoft.com/office/drawing/2014/main" xmlns="" id="{C38DE4EF-AD08-40D7-A28F-E8D5096D332D}"/>
               </a:ext>
             </a:extLst>
           </p:cNvPr>
@@ -12861,7 +12656,7 @@
           <p:cNvPr id="9" name="Content Placeholder 3">
             <a:extLst>
               <a:ext uri="{FF2B5EF4-FFF2-40B4-BE49-F238E27FC236}">
-                <a16:creationId xmlns="" xmlns:a16="http://schemas.microsoft.com/office/drawing/2014/main" id="{26A6F022-6FB8-4DDA-8341-1449CC11B9D9}"/>
+                <a16:creationId xmlns:a16="http://schemas.microsoft.com/office/drawing/2014/main" xmlns="" id="{26A6F022-6FB8-4DDA-8341-1449CC11B9D9}"/>
               </a:ext>
             </a:extLst>
           </p:cNvPr>
@@ -13270,7 +13065,7 @@
           <p:cNvPr id="12" name="Text Placeholder 8">
             <a:extLst>
               <a:ext uri="{FF2B5EF4-FFF2-40B4-BE49-F238E27FC236}">
-                <a16:creationId xmlns="" xmlns:a16="http://schemas.microsoft.com/office/drawing/2014/main" id="{8AA602C0-BCED-424B-9C18-E23EEAE62A97}"/>
+                <a16:creationId xmlns:a16="http://schemas.microsoft.com/office/drawing/2014/main" xmlns="" id="{8AA602C0-BCED-424B-9C18-E23EEAE62A97}"/>
               </a:ext>
             </a:extLst>
           </p:cNvPr>
@@ -13329,7 +13124,7 @@
 </p:sld>
 </file>
 
-<file path=ppt/slides/slide12.xml><?xml version="1.0" encoding="utf-8"?>
+<file path=ppt/slides/slide11.xml><?xml version="1.0" encoding="utf-8"?>
 <p:sld xmlns:a="http://schemas.openxmlformats.org/drawingml/2006/main" xmlns:r="http://schemas.openxmlformats.org/officeDocument/2006/relationships" xmlns:p="http://schemas.openxmlformats.org/presentationml/2006/main">
   <p:cSld>
     <p:spTree>
@@ -13351,7 +13146,7 @@
           <p:cNvPr id="3" name="Content Placeholder 2">
             <a:extLst>
               <a:ext uri="{FF2B5EF4-FFF2-40B4-BE49-F238E27FC236}">
-                <a16:creationId xmlns="" xmlns:a16="http://schemas.microsoft.com/office/drawing/2014/main" id="{C17C958A-F76D-4506-B9F8-87D744E777EB}"/>
+                <a16:creationId xmlns:a16="http://schemas.microsoft.com/office/drawing/2014/main" xmlns="" id="{C17C958A-F76D-4506-B9F8-87D744E777EB}"/>
               </a:ext>
             </a:extLst>
           </p:cNvPr>
@@ -13534,7 +13329,7 @@
 </p:sld>
 </file>
 
-<file path=ppt/slides/slide13.xml><?xml version="1.0" encoding="utf-8"?>
+<file path=ppt/slides/slide12.xml><?xml version="1.0" encoding="utf-8"?>
 <p:sld xmlns:a="http://schemas.openxmlformats.org/drawingml/2006/main" xmlns:r="http://schemas.openxmlformats.org/officeDocument/2006/relationships" xmlns:p="http://schemas.openxmlformats.org/presentationml/2006/main">
   <p:cSld>
     <p:spTree>
@@ -14219,7 +14014,7 @@
 </p:sld>
 </file>
 
-<file path=ppt/slides/slide14.xml><?xml version="1.0" encoding="utf-8"?>
+<file path=ppt/slides/slide13.xml><?xml version="1.0" encoding="utf-8"?>
 <p:sld xmlns:a="http://schemas.openxmlformats.org/drawingml/2006/main" xmlns:r="http://schemas.openxmlformats.org/officeDocument/2006/relationships" xmlns:p="http://schemas.openxmlformats.org/presentationml/2006/main">
   <p:cSld>
     <p:spTree>
@@ -14732,7 +14527,7 @@
           <p:cNvPr id="2" name="Title 1">
             <a:extLst>
               <a:ext uri="{FF2B5EF4-FFF2-40B4-BE49-F238E27FC236}">
-                <a16:creationId xmlns="" xmlns:a16="http://schemas.microsoft.com/office/drawing/2014/main" id="{B5B187D5-74C5-48AE-8A44-B2B3E7E3383F}"/>
+                <a16:creationId xmlns:a16="http://schemas.microsoft.com/office/drawing/2014/main" xmlns="" id="{B5B187D5-74C5-48AE-8A44-B2B3E7E3383F}"/>
               </a:ext>
             </a:extLst>
           </p:cNvPr>
@@ -14769,7 +14564,7 @@
           <p:cNvPr id="3" name="Content Placeholder 2">
             <a:extLst>
               <a:ext uri="{FF2B5EF4-FFF2-40B4-BE49-F238E27FC236}">
-                <a16:creationId xmlns="" xmlns:a16="http://schemas.microsoft.com/office/drawing/2014/main" id="{2109B6E4-6EFA-4FB6-9930-B37748681747}"/>
+                <a16:creationId xmlns:a16="http://schemas.microsoft.com/office/drawing/2014/main" xmlns="" id="{2109B6E4-6EFA-4FB6-9930-B37748681747}"/>
               </a:ext>
             </a:extLst>
           </p:cNvPr>
@@ -14922,47 +14717,250 @@
           <a:chExt cx="0" cy="0"/>
         </a:xfrm>
       </p:grpSpPr>
-      <p:pic>
-        <p:nvPicPr>
-          <p:cNvPr id="4" name="Content Placeholder 3" descr="C:\Users\schinnathambi\AppData\Local\Microsoft\Windows\Temporary Internet Files\Content.Word\NodeJS server (1).png"/>
-          <p:cNvPicPr>
-            <a:picLocks noGrp="1"/>
-          </p:cNvPicPr>
+      <p:sp>
+        <p:nvSpPr>
+          <p:cNvPr id="2" name="Title 1">
+            <a:extLst>
+              <a:ext uri="{FF2B5EF4-FFF2-40B4-BE49-F238E27FC236}">
+                <a16:creationId xmlns:a16="http://schemas.microsoft.com/office/drawing/2014/main" xmlns="" id="{503ED60B-3704-4719-A2D2-441940023231}"/>
+              </a:ext>
+            </a:extLst>
+          </p:cNvPr>
+          <p:cNvSpPr>
+            <a:spLocks noGrp="1"/>
+          </p:cNvSpPr>
+          <p:nvPr>
+            <p:ph type="title"/>
+          </p:nvPr>
+        </p:nvSpPr>
+        <p:spPr/>
+        <p:txBody>
+          <a:bodyPr/>
+          <a:lstStyle/>
+          <a:p>
+            <a:r>
+              <a:rPr lang="en-GB" b="1" i="1" cap="none" dirty="0" err="1">
+                <a:solidFill>
+                  <a:schemeClr val="tx1">
+                    <a:lumMod val="95000"/>
+                  </a:schemeClr>
+                </a:solidFill>
+                <a:latin typeface="Calibri Light" panose="020F0302020204030204" pitchFamily="34" charset="0"/>
+                <a:ea typeface="Calibri" panose="020F0502020204030204" pitchFamily="34" charset="0"/>
+                <a:cs typeface="Calibri Light" panose="020F0302020204030204" pitchFamily="34" charset="0"/>
+              </a:rPr>
+              <a:t>Javascript</a:t>
+            </a:r>
+            <a:r>
+              <a:rPr lang="en-GB" b="1" i="1" cap="none" dirty="0">
+                <a:solidFill>
+                  <a:schemeClr val="tx1">
+                    <a:lumMod val="95000"/>
+                  </a:schemeClr>
+                </a:solidFill>
+                <a:latin typeface="Calibri Light" panose="020F0302020204030204" pitchFamily="34" charset="0"/>
+                <a:ea typeface="Calibri" panose="020F0502020204030204" pitchFamily="34" charset="0"/>
+                <a:cs typeface="Calibri Light" panose="020F0302020204030204" pitchFamily="34" charset="0"/>
+              </a:rPr>
+              <a:t>, What Are You?</a:t>
+            </a:r>
+            <a:endParaRPr lang="en-GB" cap="none" dirty="0">
+              <a:solidFill>
+                <a:schemeClr val="tx1">
+                  <a:lumMod val="95000"/>
+                </a:schemeClr>
+              </a:solidFill>
+              <a:latin typeface="Calibri Light" panose="020F0302020204030204" pitchFamily="34" charset="0"/>
+              <a:cs typeface="Calibri Light" panose="020F0302020204030204" pitchFamily="34" charset="0"/>
+            </a:endParaRPr>
+          </a:p>
+        </p:txBody>
+      </p:sp>
+      <p:sp>
+        <p:nvSpPr>
+          <p:cNvPr id="3" name="Content Placeholder 2">
+            <a:extLst>
+              <a:ext uri="{FF2B5EF4-FFF2-40B4-BE49-F238E27FC236}">
+                <a16:creationId xmlns:a16="http://schemas.microsoft.com/office/drawing/2014/main" xmlns="" id="{3383D5B1-B238-4667-B125-FC38672AE626}"/>
+              </a:ext>
+            </a:extLst>
+          </p:cNvPr>
+          <p:cNvSpPr>
+            <a:spLocks noGrp="1"/>
+          </p:cNvSpPr>
           <p:nvPr>
             <p:ph idx="1"/>
           </p:nvPr>
-        </p:nvPicPr>
-        <p:blipFill>
-          <a:blip r:embed="rId2">
-            <a:extLst>
-              <a:ext uri="{28A0092B-C50C-407E-A947-70E740481C1C}">
-                <a14:useLocalDpi xmlns:a14="http://schemas.microsoft.com/office/drawing/2010/main" val="0"/>
-              </a:ext>
-            </a:extLst>
-          </a:blip>
-          <a:srcRect/>
-          <a:stretch>
-            <a:fillRect/>
-          </a:stretch>
-        </p:blipFill>
-        <p:spPr bwMode="auto">
+        </p:nvSpPr>
+        <p:spPr>
           <a:xfrm>
-            <a:off x="2316721" y="976169"/>
-            <a:ext cx="6287689" cy="5251450"/>
+            <a:off x="1141412" y="2249487"/>
+            <a:ext cx="10675450" cy="3541714"/>
           </a:xfrm>
-          <a:prstGeom prst="rect">
-            <a:avLst/>
-          </a:prstGeom>
-          <a:noFill/>
-          <a:ln>
-            <a:noFill/>
-          </a:ln>
         </p:spPr>
-      </p:pic>
+        <p:txBody>
+          <a:bodyPr>
+            <a:noAutofit/>
+          </a:bodyPr>
+          <a:lstStyle/>
+          <a:p>
+            <a:pPr marL="0" indent="0">
+              <a:lnSpc>
+                <a:spcPct val="115000"/>
+              </a:lnSpc>
+              <a:spcAft>
+                <a:spcPts val="1000"/>
+              </a:spcAft>
+              <a:buNone/>
+            </a:pPr>
+            <a:r>
+              <a:rPr lang="en-GB" sz="2600" dirty="0">
+                <a:solidFill>
+                  <a:schemeClr val="tx1">
+                    <a:lumMod val="95000"/>
+                  </a:schemeClr>
+                </a:solidFill>
+                <a:latin typeface="Calibri Light" panose="020F0302020204030204" pitchFamily="34" charset="0"/>
+                <a:ea typeface="Calibri" panose="020F0502020204030204" pitchFamily="34" charset="0"/>
+                <a:cs typeface="Calibri Light" panose="020F0302020204030204" pitchFamily="34" charset="0"/>
+              </a:rPr>
+              <a:t>A single threaded non-blocking asynchronous concurrent language. </a:t>
+            </a:r>
+            <a:r>
+              <a:rPr lang="en-GB" sz="2600" dirty="0">
+                <a:solidFill>
+                  <a:schemeClr val="tx1">
+                    <a:lumMod val="95000"/>
+                  </a:schemeClr>
+                </a:solidFill>
+                <a:latin typeface="Calibri Light" panose="020F0302020204030204" pitchFamily="34" charset="0"/>
+                <a:cs typeface="Calibri Light" panose="020F0302020204030204" pitchFamily="34" charset="0"/>
+              </a:rPr>
+              <a:t>It has a call stack, an event loop, a call-back queue and some other </a:t>
+            </a:r>
+            <a:r>
+              <a:rPr lang="en-GB" sz="2600" dirty="0" err="1">
+                <a:solidFill>
+                  <a:schemeClr val="tx1">
+                    <a:lumMod val="95000"/>
+                  </a:schemeClr>
+                </a:solidFill>
+                <a:latin typeface="Calibri Light" panose="020F0302020204030204" pitchFamily="34" charset="0"/>
+                <a:cs typeface="Calibri Light" panose="020F0302020204030204" pitchFamily="34" charset="0"/>
+              </a:rPr>
+              <a:t>api’s</a:t>
+            </a:r>
+            <a:endParaRPr lang="en-GB" sz="2600" dirty="0">
+              <a:solidFill>
+                <a:schemeClr val="tx1">
+                  <a:lumMod val="95000"/>
+                </a:schemeClr>
+              </a:solidFill>
+              <a:latin typeface="Calibri Light" panose="020F0302020204030204" pitchFamily="34" charset="0"/>
+              <a:cs typeface="Calibri Light" panose="020F0302020204030204" pitchFamily="34" charset="0"/>
+            </a:endParaRPr>
+          </a:p>
+          <a:p>
+            <a:pPr>
+              <a:lnSpc>
+                <a:spcPct val="115000"/>
+              </a:lnSpc>
+              <a:spcAft>
+                <a:spcPts val="1000"/>
+              </a:spcAft>
+            </a:pPr>
+            <a:endParaRPr lang="en-GB" sz="1800" b="1" i="1" dirty="0">
+              <a:solidFill>
+                <a:schemeClr val="tx1">
+                  <a:lumMod val="95000"/>
+                </a:schemeClr>
+              </a:solidFill>
+              <a:latin typeface="Calibri Light" panose="020F0302020204030204" pitchFamily="34" charset="0"/>
+              <a:ea typeface="Calibri" panose="020F0502020204030204" pitchFamily="34" charset="0"/>
+              <a:cs typeface="Calibri Light" panose="020F0302020204030204" pitchFamily="34" charset="0"/>
+            </a:endParaRPr>
+          </a:p>
+          <a:p>
+            <a:pPr>
+              <a:lnSpc>
+                <a:spcPct val="115000"/>
+              </a:lnSpc>
+              <a:spcAft>
+                <a:spcPts val="1000"/>
+              </a:spcAft>
+            </a:pPr>
+            <a:endParaRPr lang="en-GB" sz="1800" b="1" i="1" dirty="0">
+              <a:solidFill>
+                <a:schemeClr val="tx1">
+                  <a:lumMod val="95000"/>
+                </a:schemeClr>
+              </a:solidFill>
+              <a:latin typeface="Calibri Light" panose="020F0302020204030204" pitchFamily="34" charset="0"/>
+              <a:ea typeface="Calibri" panose="020F0502020204030204" pitchFamily="34" charset="0"/>
+              <a:cs typeface="Calibri Light" panose="020F0302020204030204" pitchFamily="34" charset="0"/>
+            </a:endParaRPr>
+          </a:p>
+          <a:p>
+            <a:pPr marL="0" indent="0">
+              <a:lnSpc>
+                <a:spcPct val="115000"/>
+              </a:lnSpc>
+              <a:spcAft>
+                <a:spcPts val="1000"/>
+              </a:spcAft>
+              <a:buNone/>
+            </a:pPr>
+            <a:r>
+              <a:rPr lang="en-GB" sz="2200" b="1" i="1" dirty="0">
+                <a:solidFill>
+                  <a:srgbClr val="FFFF00"/>
+                </a:solidFill>
+                <a:latin typeface="Calibri Light" panose="020F0302020204030204" pitchFamily="34" charset="0"/>
+                <a:ea typeface="Calibri" panose="020F0502020204030204" pitchFamily="34" charset="0"/>
+                <a:cs typeface="Calibri Light" panose="020F0302020204030204" pitchFamily="34" charset="0"/>
+              </a:rPr>
+              <a:t>It seems the words are contradicting “single” and “concurrent”</a:t>
+            </a:r>
+          </a:p>
+          <a:p>
+            <a:pPr marL="0" indent="0">
+              <a:lnSpc>
+                <a:spcPct val="115000"/>
+              </a:lnSpc>
+              <a:spcAft>
+                <a:spcPts val="1000"/>
+              </a:spcAft>
+              <a:buNone/>
+            </a:pPr>
+            <a:r>
+              <a:rPr lang="en-GB" sz="2200" b="1" i="1" dirty="0">
+                <a:solidFill>
+                  <a:srgbClr val="FFFF00"/>
+                </a:solidFill>
+                <a:latin typeface="Calibri Light" panose="020F0302020204030204" pitchFamily="34" charset="0"/>
+                <a:ea typeface="Calibri" panose="020F0502020204030204" pitchFamily="34" charset="0"/>
+                <a:cs typeface="Calibri Light" panose="020F0302020204030204" pitchFamily="34" charset="0"/>
+              </a:rPr>
+              <a:t>one thread == one stack == one thing at a time</a:t>
+            </a:r>
+          </a:p>
+          <a:p>
+            <a:endParaRPr lang="en-GB" sz="3600" dirty="0">
+              <a:solidFill>
+                <a:schemeClr val="tx1">
+                  <a:lumMod val="95000"/>
+                </a:schemeClr>
+              </a:solidFill>
+              <a:latin typeface="Calibri Light" panose="020F0302020204030204" pitchFamily="34" charset="0"/>
+              <a:cs typeface="Calibri Light" panose="020F0302020204030204" pitchFamily="34" charset="0"/>
+            </a:endParaRPr>
+          </a:p>
+        </p:txBody>
+      </p:sp>
     </p:spTree>
     <p:extLst>
       <p:ext uri="{BB962C8B-B14F-4D97-AF65-F5344CB8AC3E}">
-        <p14:creationId xmlns:p14="http://schemas.microsoft.com/office/powerpoint/2010/main" val="2740893762"/>
+        <p14:creationId xmlns:p14="http://schemas.microsoft.com/office/powerpoint/2010/main" val="375759281"/>
       </p:ext>
     </p:extLst>
   </p:cSld>
@@ -14994,7 +14992,7 @@
           <p:cNvPr id="2" name="Title 1">
             <a:extLst>
               <a:ext uri="{FF2B5EF4-FFF2-40B4-BE49-F238E27FC236}">
-                <a16:creationId xmlns="" xmlns:a16="http://schemas.microsoft.com/office/drawing/2014/main" id="{503ED60B-3704-4719-A2D2-441940023231}"/>
+                <a16:creationId xmlns:a16="http://schemas.microsoft.com/office/drawing/2014/main" xmlns="" id="{8F5199E7-A348-4E19-8D1D-5B00A9A4FCB9}"/>
               </a:ext>
             </a:extLst>
           </p:cNvPr>
@@ -15010,41 +15008,22 @@
           <a:bodyPr/>
           <a:lstStyle/>
           <a:p>
-            <a:r>
-              <a:rPr lang="en-GB" b="1" i="1" cap="none" dirty="0" err="1">
-                <a:solidFill>
-                  <a:schemeClr val="tx1">
-                    <a:lumMod val="95000"/>
-                  </a:schemeClr>
-                </a:solidFill>
+            <a:pPr algn="ctr">
+              <a:lnSpc>
+                <a:spcPct val="115000"/>
+              </a:lnSpc>
+              <a:spcAft>
+                <a:spcPts val="1000"/>
+              </a:spcAft>
+            </a:pPr>
+            <a:r>
+              <a:rPr lang="en-GB" b="1" i="1" cap="none" dirty="0">
                 <a:latin typeface="Calibri Light" panose="020F0302020204030204" pitchFamily="34" charset="0"/>
                 <a:ea typeface="Calibri" panose="020F0502020204030204" pitchFamily="34" charset="0"/>
                 <a:cs typeface="Calibri Light" panose="020F0302020204030204" pitchFamily="34" charset="0"/>
               </a:rPr>
-              <a:t>Javascript</a:t>
-            </a:r>
-            <a:r>
-              <a:rPr lang="en-GB" b="1" i="1" cap="none" dirty="0">
-                <a:solidFill>
-                  <a:schemeClr val="tx1">
-                    <a:lumMod val="95000"/>
-                  </a:schemeClr>
-                </a:solidFill>
-                <a:latin typeface="Calibri Light" panose="020F0302020204030204" pitchFamily="34" charset="0"/>
-                <a:ea typeface="Calibri" panose="020F0502020204030204" pitchFamily="34" charset="0"/>
-                <a:cs typeface="Calibri Light" panose="020F0302020204030204" pitchFamily="34" charset="0"/>
-              </a:rPr>
-              <a:t>, What Are You?</a:t>
-            </a:r>
-            <a:endParaRPr lang="en-GB" cap="none" dirty="0">
-              <a:solidFill>
-                <a:schemeClr val="tx1">
-                  <a:lumMod val="95000"/>
-                </a:schemeClr>
-              </a:solidFill>
-              <a:latin typeface="Calibri Light" panose="020F0302020204030204" pitchFamily="34" charset="0"/>
-              <a:cs typeface="Calibri Light" panose="020F0302020204030204" pitchFamily="34" charset="0"/>
-            </a:endParaRPr>
+              <a:t>Sample Program:</a:t>
+            </a:r>
           </a:p>
         </p:txBody>
       </p:sp>
@@ -15053,7 +15032,7 @@
           <p:cNvPr id="3" name="Content Placeholder 2">
             <a:extLst>
               <a:ext uri="{FF2B5EF4-FFF2-40B4-BE49-F238E27FC236}">
-                <a16:creationId xmlns="" xmlns:a16="http://schemas.microsoft.com/office/drawing/2014/main" id="{3383D5B1-B238-4667-B125-FC38672AE626}"/>
+                <a16:creationId xmlns:a16="http://schemas.microsoft.com/office/drawing/2014/main" xmlns="" id="{B65F33A8-6BAD-4CBA-832E-376E74CEAA95}"/>
               </a:ext>
             </a:extLst>
           </p:cNvPr>
@@ -15064,15 +15043,10 @@
             <p:ph idx="1"/>
           </p:nvPr>
         </p:nvSpPr>
-        <p:spPr>
-          <a:xfrm>
-            <a:off x="1141412" y="2249487"/>
-            <a:ext cx="10675450" cy="3541714"/>
-          </a:xfrm>
-        </p:spPr>
+        <p:spPr/>
         <p:txBody>
           <a:bodyPr>
-            <a:noAutofit/>
+            <a:normAutofit/>
           </a:bodyPr>
           <a:lstStyle/>
           <a:p>
@@ -15084,93 +15058,18 @@
                 <a:spcPts val="1000"/>
               </a:spcAft>
               <a:buNone/>
+              <a:tabLst>
+                <a:tab pos="1884363" algn="l"/>
+              </a:tabLst>
             </a:pPr>
             <a:r>
               <a:rPr lang="en-GB" sz="2600" dirty="0">
-                <a:solidFill>
-                  <a:schemeClr val="tx1">
-                    <a:lumMod val="95000"/>
-                  </a:schemeClr>
-                </a:solidFill>
                 <a:latin typeface="Calibri Light" panose="020F0302020204030204" pitchFamily="34" charset="0"/>
                 <a:ea typeface="Calibri" panose="020F0502020204030204" pitchFamily="34" charset="0"/>
                 <a:cs typeface="Calibri Light" panose="020F0302020204030204" pitchFamily="34" charset="0"/>
               </a:rPr>
-              <a:t>A single threaded non-blocking asynchronous concurrent language. </a:t>
-            </a:r>
-            <a:r>
-              <a:rPr lang="en-GB" sz="2600" dirty="0">
-                <a:solidFill>
-                  <a:schemeClr val="tx1">
-                    <a:lumMod val="95000"/>
-                  </a:schemeClr>
-                </a:solidFill>
-                <a:latin typeface="Calibri Light" panose="020F0302020204030204" pitchFamily="34" charset="0"/>
-                <a:cs typeface="Calibri Light" panose="020F0302020204030204" pitchFamily="34" charset="0"/>
-              </a:rPr>
-              <a:t>It has a call stack, an event loop, a call-back queue and some other </a:t>
-            </a:r>
-            <a:r>
-              <a:rPr lang="en-GB" sz="2600" dirty="0" err="1">
-                <a:solidFill>
-                  <a:schemeClr val="tx1">
-                    <a:lumMod val="95000"/>
-                  </a:schemeClr>
-                </a:solidFill>
-                <a:latin typeface="Calibri Light" panose="020F0302020204030204" pitchFamily="34" charset="0"/>
-                <a:cs typeface="Calibri Light" panose="020F0302020204030204" pitchFamily="34" charset="0"/>
-              </a:rPr>
-              <a:t>api’s</a:t>
-            </a:r>
-            <a:endParaRPr lang="en-GB" sz="2600" dirty="0">
-              <a:solidFill>
-                <a:schemeClr val="tx1">
-                  <a:lumMod val="95000"/>
-                </a:schemeClr>
-              </a:solidFill>
-              <a:latin typeface="Calibri Light" panose="020F0302020204030204" pitchFamily="34" charset="0"/>
-              <a:cs typeface="Calibri Light" panose="020F0302020204030204" pitchFamily="34" charset="0"/>
-            </a:endParaRPr>
-          </a:p>
-          <a:p>
-            <a:pPr>
-              <a:lnSpc>
-                <a:spcPct val="115000"/>
-              </a:lnSpc>
-              <a:spcAft>
-                <a:spcPts val="1000"/>
-              </a:spcAft>
-            </a:pPr>
-            <a:endParaRPr lang="en-GB" sz="1800" b="1" i="1" dirty="0">
-              <a:solidFill>
-                <a:schemeClr val="tx1">
-                  <a:lumMod val="95000"/>
-                </a:schemeClr>
-              </a:solidFill>
-              <a:latin typeface="Calibri Light" panose="020F0302020204030204" pitchFamily="34" charset="0"/>
-              <a:ea typeface="Calibri" panose="020F0502020204030204" pitchFamily="34" charset="0"/>
-              <a:cs typeface="Calibri Light" panose="020F0302020204030204" pitchFamily="34" charset="0"/>
-            </a:endParaRPr>
-          </a:p>
-          <a:p>
-            <a:pPr>
-              <a:lnSpc>
-                <a:spcPct val="115000"/>
-              </a:lnSpc>
-              <a:spcAft>
-                <a:spcPts val="1000"/>
-              </a:spcAft>
-            </a:pPr>
-            <a:endParaRPr lang="en-GB" sz="1800" b="1" i="1" dirty="0">
-              <a:solidFill>
-                <a:schemeClr val="tx1">
-                  <a:lumMod val="95000"/>
-                </a:schemeClr>
-              </a:solidFill>
-              <a:latin typeface="Calibri Light" panose="020F0302020204030204" pitchFamily="34" charset="0"/>
-              <a:ea typeface="Calibri" panose="020F0502020204030204" pitchFamily="34" charset="0"/>
-              <a:cs typeface="Calibri Light" panose="020F0302020204030204" pitchFamily="34" charset="0"/>
-            </a:endParaRPr>
+              <a:t>console.log('Hello');</a:t>
+            </a:r>
           </a:p>
           <a:p>
             <a:pPr marL="0" indent="0">
@@ -15181,17 +15080,25 @@
                 <a:spcPts val="1000"/>
               </a:spcAft>
               <a:buNone/>
+              <a:tabLst>
+                <a:tab pos="1884363" algn="l"/>
+              </a:tabLst>
             </a:pPr>
             <a:r>
-              <a:rPr lang="en-GB" sz="2200" b="1" i="1" dirty="0">
-                <a:solidFill>
-                  <a:srgbClr val="FFFF00"/>
-                </a:solidFill>
+              <a:rPr lang="en-GB" sz="2600" dirty="0" err="1">
                 <a:latin typeface="Calibri Light" panose="020F0302020204030204" pitchFamily="34" charset="0"/>
                 <a:ea typeface="Calibri" panose="020F0502020204030204" pitchFamily="34" charset="0"/>
                 <a:cs typeface="Calibri Light" panose="020F0302020204030204" pitchFamily="34" charset="0"/>
               </a:rPr>
-              <a:t>It seems the words are contradicting “single” and “concurrent”</a:t>
+              <a:t>setTimeout</a:t>
+            </a:r>
+            <a:r>
+              <a:rPr lang="en-GB" sz="2600" dirty="0">
+                <a:latin typeface="Calibri Light" panose="020F0302020204030204" pitchFamily="34" charset="0"/>
+                <a:ea typeface="Calibri" panose="020F0502020204030204" pitchFamily="34" charset="0"/>
+                <a:cs typeface="Calibri Light" panose="020F0302020204030204" pitchFamily="34" charset="0"/>
+              </a:rPr>
+              <a:t>(function timeout() {</a:t>
             </a:r>
           </a:p>
           <a:p>
@@ -15203,26 +15110,71 @@
                 <a:spcPts val="1000"/>
               </a:spcAft>
               <a:buNone/>
+              <a:tabLst>
+                <a:tab pos="1884363" algn="l"/>
+              </a:tabLst>
             </a:pPr>
             <a:r>
-              <a:rPr lang="en-GB" sz="2200" b="1" i="1" dirty="0">
-                <a:solidFill>
-                  <a:srgbClr val="FFFF00"/>
-                </a:solidFill>
+              <a:rPr lang="en-GB" sz="2600" dirty="0">
                 <a:latin typeface="Calibri Light" panose="020F0302020204030204" pitchFamily="34" charset="0"/>
                 <a:ea typeface="Calibri" panose="020F0502020204030204" pitchFamily="34" charset="0"/>
                 <a:cs typeface="Calibri Light" panose="020F0302020204030204" pitchFamily="34" charset="0"/>
               </a:rPr>
-              <a:t>one thread == one stack == one thing at a time</a:t>
-            </a:r>
-          </a:p>
-          <a:p>
-            <a:endParaRPr lang="en-GB" sz="3600" dirty="0">
-              <a:solidFill>
-                <a:schemeClr val="tx1">
-                  <a:lumMod val="95000"/>
-                </a:schemeClr>
-              </a:solidFill>
+              <a:t>console.log("timeout function");</a:t>
+            </a:r>
+          </a:p>
+          <a:p>
+            <a:pPr marL="0" indent="0">
+              <a:lnSpc>
+                <a:spcPct val="115000"/>
+              </a:lnSpc>
+              <a:spcAft>
+                <a:spcPts val="1000"/>
+              </a:spcAft>
+              <a:buNone/>
+              <a:tabLst>
+                <a:tab pos="1884363" algn="l"/>
+              </a:tabLst>
+            </a:pPr>
+            <a:r>
+              <a:rPr lang="en-GB" sz="2600" dirty="0">
+                <a:latin typeface="Calibri Light" panose="020F0302020204030204" pitchFamily="34" charset="0"/>
+                <a:ea typeface="Calibri" panose="020F0502020204030204" pitchFamily="34" charset="0"/>
+                <a:cs typeface="Calibri Light" panose="020F0302020204030204" pitchFamily="34" charset="0"/>
+              </a:rPr>
+              <a:t>}, 5000);</a:t>
+            </a:r>
+          </a:p>
+          <a:p>
+            <a:pPr marL="0" indent="0">
+              <a:lnSpc>
+                <a:spcPct val="115000"/>
+              </a:lnSpc>
+              <a:spcAft>
+                <a:spcPts val="1000"/>
+              </a:spcAft>
+              <a:buNone/>
+              <a:tabLst>
+                <a:tab pos="1884363" algn="l"/>
+              </a:tabLst>
+            </a:pPr>
+            <a:r>
+              <a:rPr lang="en-GB" sz="2600" dirty="0">
+                <a:latin typeface="Calibri Light" panose="020F0302020204030204" pitchFamily="34" charset="0"/>
+                <a:ea typeface="Calibri" panose="020F0502020204030204" pitchFamily="34" charset="0"/>
+                <a:cs typeface="Calibri Light" panose="020F0302020204030204" pitchFamily="34" charset="0"/>
+              </a:rPr>
+              <a:t>console.log('world');</a:t>
+            </a:r>
+          </a:p>
+          <a:p>
+            <a:pPr marL="0" indent="0">
+              <a:buNone/>
+              <a:tabLst>
+                <a:tab pos="1884363" algn="l"/>
+              </a:tabLst>
+            </a:pPr>
+            <a:endParaRPr lang="en-GB" sz="2600" dirty="0">
               <a:latin typeface="Calibri Light" panose="020F0302020204030204" pitchFamily="34" charset="0"/>
               <a:cs typeface="Calibri Light" panose="020F0302020204030204" pitchFamily="34" charset="0"/>
             </a:endParaRPr>
@@ -15232,7 +15184,7 @@
     </p:spTree>
     <p:extLst>
       <p:ext uri="{BB962C8B-B14F-4D97-AF65-F5344CB8AC3E}">
-        <p14:creationId xmlns:p14="http://schemas.microsoft.com/office/powerpoint/2010/main" val="375759281"/>
+        <p14:creationId xmlns:p14="http://schemas.microsoft.com/office/powerpoint/2010/main" val="205059546"/>
       </p:ext>
     </p:extLst>
   </p:cSld>
@@ -15264,231 +15216,7 @@
           <p:cNvPr id="2" name="Title 1">
             <a:extLst>
               <a:ext uri="{FF2B5EF4-FFF2-40B4-BE49-F238E27FC236}">
-                <a16:creationId xmlns="" xmlns:a16="http://schemas.microsoft.com/office/drawing/2014/main" id="{8F5199E7-A348-4E19-8D1D-5B00A9A4FCB9}"/>
-              </a:ext>
-            </a:extLst>
-          </p:cNvPr>
-          <p:cNvSpPr>
-            <a:spLocks noGrp="1"/>
-          </p:cNvSpPr>
-          <p:nvPr>
-            <p:ph type="title"/>
-          </p:nvPr>
-        </p:nvSpPr>
-        <p:spPr/>
-        <p:txBody>
-          <a:bodyPr/>
-          <a:lstStyle/>
-          <a:p>
-            <a:pPr algn="ctr">
-              <a:lnSpc>
-                <a:spcPct val="115000"/>
-              </a:lnSpc>
-              <a:spcAft>
-                <a:spcPts val="1000"/>
-              </a:spcAft>
-            </a:pPr>
-            <a:r>
-              <a:rPr lang="en-GB" b="1" i="1" cap="none" dirty="0">
-                <a:latin typeface="Calibri Light" panose="020F0302020204030204" pitchFamily="34" charset="0"/>
-                <a:ea typeface="Calibri" panose="020F0502020204030204" pitchFamily="34" charset="0"/>
-                <a:cs typeface="Calibri Light" panose="020F0302020204030204" pitchFamily="34" charset="0"/>
-              </a:rPr>
-              <a:t>Sample Program:</a:t>
-            </a:r>
-          </a:p>
-        </p:txBody>
-      </p:sp>
-      <p:sp>
-        <p:nvSpPr>
-          <p:cNvPr id="3" name="Content Placeholder 2">
-            <a:extLst>
-              <a:ext uri="{FF2B5EF4-FFF2-40B4-BE49-F238E27FC236}">
-                <a16:creationId xmlns="" xmlns:a16="http://schemas.microsoft.com/office/drawing/2014/main" id="{B65F33A8-6BAD-4CBA-832E-376E74CEAA95}"/>
-              </a:ext>
-            </a:extLst>
-          </p:cNvPr>
-          <p:cNvSpPr>
-            <a:spLocks noGrp="1"/>
-          </p:cNvSpPr>
-          <p:nvPr>
-            <p:ph idx="1"/>
-          </p:nvPr>
-        </p:nvSpPr>
-        <p:spPr/>
-        <p:txBody>
-          <a:bodyPr>
-            <a:normAutofit/>
-          </a:bodyPr>
-          <a:lstStyle/>
-          <a:p>
-            <a:pPr marL="0" indent="0">
-              <a:lnSpc>
-                <a:spcPct val="115000"/>
-              </a:lnSpc>
-              <a:spcAft>
-                <a:spcPts val="1000"/>
-              </a:spcAft>
-              <a:buNone/>
-              <a:tabLst>
-                <a:tab pos="1884363" algn="l"/>
-              </a:tabLst>
-            </a:pPr>
-            <a:r>
-              <a:rPr lang="en-GB" sz="2600" dirty="0">
-                <a:latin typeface="Calibri Light" panose="020F0302020204030204" pitchFamily="34" charset="0"/>
-                <a:ea typeface="Calibri" panose="020F0502020204030204" pitchFamily="34" charset="0"/>
-                <a:cs typeface="Calibri Light" panose="020F0302020204030204" pitchFamily="34" charset="0"/>
-              </a:rPr>
-              <a:t>console.log('Hello');</a:t>
-            </a:r>
-          </a:p>
-          <a:p>
-            <a:pPr marL="0" indent="0">
-              <a:lnSpc>
-                <a:spcPct val="115000"/>
-              </a:lnSpc>
-              <a:spcAft>
-                <a:spcPts val="1000"/>
-              </a:spcAft>
-              <a:buNone/>
-              <a:tabLst>
-                <a:tab pos="1884363" algn="l"/>
-              </a:tabLst>
-            </a:pPr>
-            <a:r>
-              <a:rPr lang="en-GB" sz="2600" dirty="0" err="1">
-                <a:latin typeface="Calibri Light" panose="020F0302020204030204" pitchFamily="34" charset="0"/>
-                <a:ea typeface="Calibri" panose="020F0502020204030204" pitchFamily="34" charset="0"/>
-                <a:cs typeface="Calibri Light" panose="020F0302020204030204" pitchFamily="34" charset="0"/>
-              </a:rPr>
-              <a:t>setTimeout</a:t>
-            </a:r>
-            <a:r>
-              <a:rPr lang="en-GB" sz="2600" dirty="0">
-                <a:latin typeface="Calibri Light" panose="020F0302020204030204" pitchFamily="34" charset="0"/>
-                <a:ea typeface="Calibri" panose="020F0502020204030204" pitchFamily="34" charset="0"/>
-                <a:cs typeface="Calibri Light" panose="020F0302020204030204" pitchFamily="34" charset="0"/>
-              </a:rPr>
-              <a:t>(function timeout() {</a:t>
-            </a:r>
-          </a:p>
-          <a:p>
-            <a:pPr marL="0" indent="0">
-              <a:lnSpc>
-                <a:spcPct val="115000"/>
-              </a:lnSpc>
-              <a:spcAft>
-                <a:spcPts val="1000"/>
-              </a:spcAft>
-              <a:buNone/>
-              <a:tabLst>
-                <a:tab pos="1884363" algn="l"/>
-              </a:tabLst>
-            </a:pPr>
-            <a:r>
-              <a:rPr lang="en-GB" sz="2600" dirty="0">
-                <a:latin typeface="Calibri Light" panose="020F0302020204030204" pitchFamily="34" charset="0"/>
-                <a:ea typeface="Calibri" panose="020F0502020204030204" pitchFamily="34" charset="0"/>
-                <a:cs typeface="Calibri Light" panose="020F0302020204030204" pitchFamily="34" charset="0"/>
-              </a:rPr>
-              <a:t>console.log("timeout function");</a:t>
-            </a:r>
-          </a:p>
-          <a:p>
-            <a:pPr marL="0" indent="0">
-              <a:lnSpc>
-                <a:spcPct val="115000"/>
-              </a:lnSpc>
-              <a:spcAft>
-                <a:spcPts val="1000"/>
-              </a:spcAft>
-              <a:buNone/>
-              <a:tabLst>
-                <a:tab pos="1884363" algn="l"/>
-              </a:tabLst>
-            </a:pPr>
-            <a:r>
-              <a:rPr lang="en-GB" sz="2600" dirty="0">
-                <a:latin typeface="Calibri Light" panose="020F0302020204030204" pitchFamily="34" charset="0"/>
-                <a:ea typeface="Calibri" panose="020F0502020204030204" pitchFamily="34" charset="0"/>
-                <a:cs typeface="Calibri Light" panose="020F0302020204030204" pitchFamily="34" charset="0"/>
-              </a:rPr>
-              <a:t>}, 5000);</a:t>
-            </a:r>
-          </a:p>
-          <a:p>
-            <a:pPr marL="0" indent="0">
-              <a:lnSpc>
-                <a:spcPct val="115000"/>
-              </a:lnSpc>
-              <a:spcAft>
-                <a:spcPts val="1000"/>
-              </a:spcAft>
-              <a:buNone/>
-              <a:tabLst>
-                <a:tab pos="1884363" algn="l"/>
-              </a:tabLst>
-            </a:pPr>
-            <a:r>
-              <a:rPr lang="en-GB" sz="2600" dirty="0">
-                <a:latin typeface="Calibri Light" panose="020F0302020204030204" pitchFamily="34" charset="0"/>
-                <a:ea typeface="Calibri" panose="020F0502020204030204" pitchFamily="34" charset="0"/>
-                <a:cs typeface="Calibri Light" panose="020F0302020204030204" pitchFamily="34" charset="0"/>
-              </a:rPr>
-              <a:t>console.log('world');</a:t>
-            </a:r>
-          </a:p>
-          <a:p>
-            <a:pPr marL="0" indent="0">
-              <a:buNone/>
-              <a:tabLst>
-                <a:tab pos="1884363" algn="l"/>
-              </a:tabLst>
-            </a:pPr>
-            <a:endParaRPr lang="en-GB" sz="2600" dirty="0">
-              <a:latin typeface="Calibri Light" panose="020F0302020204030204" pitchFamily="34" charset="0"/>
-              <a:cs typeface="Calibri Light" panose="020F0302020204030204" pitchFamily="34" charset="0"/>
-            </a:endParaRPr>
-          </a:p>
-        </p:txBody>
-      </p:sp>
-    </p:spTree>
-    <p:extLst>
-      <p:ext uri="{BB962C8B-B14F-4D97-AF65-F5344CB8AC3E}">
-        <p14:creationId xmlns:p14="http://schemas.microsoft.com/office/powerpoint/2010/main" val="205059546"/>
-      </p:ext>
-    </p:extLst>
-  </p:cSld>
-  <p:clrMapOvr>
-    <a:masterClrMapping/>
-  </p:clrMapOvr>
-</p:sld>
-</file>
-
-<file path=ppt/slides/slide6.xml><?xml version="1.0" encoding="utf-8"?>
-<p:sld xmlns:a="http://schemas.openxmlformats.org/drawingml/2006/main" xmlns:r="http://schemas.openxmlformats.org/officeDocument/2006/relationships" xmlns:p="http://schemas.openxmlformats.org/presentationml/2006/main">
-  <p:cSld>
-    <p:spTree>
-      <p:nvGrpSpPr>
-        <p:cNvPr id="1" name=""/>
-        <p:cNvGrpSpPr/>
-        <p:nvPr/>
-      </p:nvGrpSpPr>
-      <p:grpSpPr>
-        <a:xfrm>
-          <a:off x="0" y="0"/>
-          <a:ext cx="0" cy="0"/>
-          <a:chOff x="0" y="0"/>
-          <a:chExt cx="0" cy="0"/>
-        </a:xfrm>
-      </p:grpSpPr>
-      <p:sp>
-        <p:nvSpPr>
-          <p:cNvPr id="2" name="Title 1">
-            <a:extLst>
-              <a:ext uri="{FF2B5EF4-FFF2-40B4-BE49-F238E27FC236}">
-                <a16:creationId xmlns="" xmlns:a16="http://schemas.microsoft.com/office/drawing/2014/main" id="{F22FB385-8B92-446E-9C79-6EDC7F0B6946}"/>
+                <a16:creationId xmlns:a16="http://schemas.microsoft.com/office/drawing/2014/main" xmlns="" id="{F22FB385-8B92-446E-9C79-6EDC7F0B6946}"/>
               </a:ext>
             </a:extLst>
           </p:cNvPr>
@@ -15529,7 +15257,7 @@
           <p:cNvPr id="12" name="Content Placeholder 11">
             <a:extLst>
               <a:ext uri="{FF2B5EF4-FFF2-40B4-BE49-F238E27FC236}">
-                <a16:creationId xmlns="" xmlns:a16="http://schemas.microsoft.com/office/drawing/2014/main" id="{0943A629-039E-4D47-AFF2-CDDA5A18ADBF}"/>
+                <a16:creationId xmlns:a16="http://schemas.microsoft.com/office/drawing/2014/main" xmlns="" id="{0943A629-039E-4D47-AFF2-CDDA5A18ADBF}"/>
               </a:ext>
             </a:extLst>
           </p:cNvPr>
@@ -15571,7 +15299,7 @@
           <p:cNvPr id="18" name="Text Placeholder 17">
             <a:extLst>
               <a:ext uri="{FF2B5EF4-FFF2-40B4-BE49-F238E27FC236}">
-                <a16:creationId xmlns="" xmlns:a16="http://schemas.microsoft.com/office/drawing/2014/main" id="{D750BBCE-009F-488D-B8D1-4B716B65D528}"/>
+                <a16:creationId xmlns:a16="http://schemas.microsoft.com/office/drawing/2014/main" xmlns="" id="{D750BBCE-009F-488D-B8D1-4B716B65D528}"/>
               </a:ext>
             </a:extLst>
           </p:cNvPr>
@@ -15668,7 +15396,7 @@
 </p:sld>
 </file>
 
-<file path=ppt/slides/slide7.xml><?xml version="1.0" encoding="utf-8"?>
+<file path=ppt/slides/slide6.xml><?xml version="1.0" encoding="utf-8"?>
 <p:sld xmlns:a="http://schemas.openxmlformats.org/drawingml/2006/main" xmlns:r="http://schemas.openxmlformats.org/officeDocument/2006/relationships" xmlns:p="http://schemas.openxmlformats.org/presentationml/2006/main">
   <p:cSld>
     <p:spTree>
@@ -15690,7 +15418,7 @@
           <p:cNvPr id="2" name="Title 1">
             <a:extLst>
               <a:ext uri="{FF2B5EF4-FFF2-40B4-BE49-F238E27FC236}">
-                <a16:creationId xmlns="" xmlns:a16="http://schemas.microsoft.com/office/drawing/2014/main" id="{F22FB385-8B92-446E-9C79-6EDC7F0B6946}"/>
+                <a16:creationId xmlns:a16="http://schemas.microsoft.com/office/drawing/2014/main" xmlns="" id="{F22FB385-8B92-446E-9C79-6EDC7F0B6946}"/>
               </a:ext>
             </a:extLst>
           </p:cNvPr>
@@ -15747,7 +15475,7 @@
           <p:cNvPr id="13" name="Content Placeholder 4">
             <a:extLst>
               <a:ext uri="{FF2B5EF4-FFF2-40B4-BE49-F238E27FC236}">
-                <a16:creationId xmlns="" xmlns:a16="http://schemas.microsoft.com/office/drawing/2014/main" id="{F2AF45AB-3459-4B9D-A900-E497A2264799}"/>
+                <a16:creationId xmlns:a16="http://schemas.microsoft.com/office/drawing/2014/main" xmlns="" id="{F2AF45AB-3459-4B9D-A900-E497A2264799}"/>
               </a:ext>
             </a:extLst>
           </p:cNvPr>
@@ -15788,7 +15516,7 @@
           <p:cNvPr id="18" name="Text Placeholder 17">
             <a:extLst>
               <a:ext uri="{FF2B5EF4-FFF2-40B4-BE49-F238E27FC236}">
-                <a16:creationId xmlns="" xmlns:a16="http://schemas.microsoft.com/office/drawing/2014/main" id="{D750BBCE-009F-488D-B8D1-4B716B65D528}"/>
+                <a16:creationId xmlns:a16="http://schemas.microsoft.com/office/drawing/2014/main" xmlns="" id="{D750BBCE-009F-488D-B8D1-4B716B65D528}"/>
               </a:ext>
             </a:extLst>
           </p:cNvPr>
@@ -15882,7 +15610,7 @@
           <p:cNvPr id="14" name="Arrow: Down 13">
             <a:extLst>
               <a:ext uri="{FF2B5EF4-FFF2-40B4-BE49-F238E27FC236}">
-                <a16:creationId xmlns="" xmlns:a16="http://schemas.microsoft.com/office/drawing/2014/main" id="{DE9CF658-8618-493E-AAB2-8486CE7DF493}"/>
+                <a16:creationId xmlns:a16="http://schemas.microsoft.com/office/drawing/2014/main" xmlns="" id="{DE9CF658-8618-493E-AAB2-8486CE7DF493}"/>
               </a:ext>
             </a:extLst>
           </p:cNvPr>
@@ -15943,7 +15671,7 @@
 </p:sld>
 </file>
 
-<file path=ppt/slides/slide8.xml><?xml version="1.0" encoding="utf-8"?>
+<file path=ppt/slides/slide7.xml><?xml version="1.0" encoding="utf-8"?>
 <p:sld xmlns:a="http://schemas.openxmlformats.org/drawingml/2006/main" xmlns:r="http://schemas.openxmlformats.org/officeDocument/2006/relationships" xmlns:p="http://schemas.openxmlformats.org/presentationml/2006/main">
   <p:cSld>
     <p:spTree>
@@ -16087,7 +15815,7 @@
 </p:sld>
 </file>
 
-<file path=ppt/slides/slide9.xml><?xml version="1.0" encoding="utf-8"?>
+<file path=ppt/slides/slide8.xml><?xml version="1.0" encoding="utf-8"?>
 <p:sld xmlns:a="http://schemas.openxmlformats.org/drawingml/2006/main" xmlns:r="http://schemas.openxmlformats.org/officeDocument/2006/relationships" xmlns:p="http://schemas.openxmlformats.org/presentationml/2006/main">
   <p:cSld>
     <p:spTree>
@@ -16109,7 +15837,7 @@
           <p:cNvPr id="2" name="Title 1">
             <a:extLst>
               <a:ext uri="{FF2B5EF4-FFF2-40B4-BE49-F238E27FC236}">
-                <a16:creationId xmlns="" xmlns:a16="http://schemas.microsoft.com/office/drawing/2014/main" id="{F22FB385-8B92-446E-9C79-6EDC7F0B6946}"/>
+                <a16:creationId xmlns:a16="http://schemas.microsoft.com/office/drawing/2014/main" xmlns="" id="{F22FB385-8B92-446E-9C79-6EDC7F0B6946}"/>
               </a:ext>
             </a:extLst>
           </p:cNvPr>
@@ -16163,7 +15891,7 @@
           <p:cNvPr id="5" name="Content Placeholder 4">
             <a:extLst>
               <a:ext uri="{FF2B5EF4-FFF2-40B4-BE49-F238E27FC236}">
-                <a16:creationId xmlns="" xmlns:a16="http://schemas.microsoft.com/office/drawing/2014/main" id="{810DDD86-A6BA-47B7-9A09-8575200B90C5}"/>
+                <a16:creationId xmlns:a16="http://schemas.microsoft.com/office/drawing/2014/main" xmlns="" id="{810DDD86-A6BA-47B7-9A09-8575200B90C5}"/>
               </a:ext>
             </a:extLst>
           </p:cNvPr>
@@ -16204,7 +15932,7 @@
           <p:cNvPr id="17" name="Group 16">
             <a:extLst>
               <a:ext uri="{FF2B5EF4-FFF2-40B4-BE49-F238E27FC236}">
-                <a16:creationId xmlns="" xmlns:a16="http://schemas.microsoft.com/office/drawing/2014/main" id="{DE5E4ADD-A5AD-41EC-8E34-D4F9AEA1A2BB}"/>
+                <a16:creationId xmlns:a16="http://schemas.microsoft.com/office/drawing/2014/main" xmlns="" id="{DE5E4ADD-A5AD-41EC-8E34-D4F9AEA1A2BB}"/>
               </a:ext>
             </a:extLst>
           </p:cNvPr>
@@ -16224,7 +15952,7 @@
             <p:cNvPr id="9" name="Rectangle 8">
               <a:extLst>
                 <a:ext uri="{FF2B5EF4-FFF2-40B4-BE49-F238E27FC236}">
-                  <a16:creationId xmlns="" xmlns:a16="http://schemas.microsoft.com/office/drawing/2014/main" id="{21DB13C1-84E5-4C9B-826A-2D02FA792FDF}"/>
+                  <a16:creationId xmlns:a16="http://schemas.microsoft.com/office/drawing/2014/main" xmlns="" id="{21DB13C1-84E5-4C9B-826A-2D02FA792FDF}"/>
                 </a:ext>
               </a:extLst>
             </p:cNvPr>
@@ -16287,7 +16015,7 @@
             <p:cNvPr id="14" name="Group 13">
               <a:extLst>
                 <a:ext uri="{FF2B5EF4-FFF2-40B4-BE49-F238E27FC236}">
-                  <a16:creationId xmlns="" xmlns:a16="http://schemas.microsoft.com/office/drawing/2014/main" id="{99E184D0-4179-4F49-9851-4B678F17E640}"/>
+                  <a16:creationId xmlns:a16="http://schemas.microsoft.com/office/drawing/2014/main" xmlns="" id="{99E184D0-4179-4F49-9851-4B678F17E640}"/>
                 </a:ext>
               </a:extLst>
             </p:cNvPr>
@@ -16307,7 +16035,7 @@
               <p:cNvPr id="10" name="Rectangle 9">
                 <a:extLst>
                   <a:ext uri="{FF2B5EF4-FFF2-40B4-BE49-F238E27FC236}">
-                    <a16:creationId xmlns="" xmlns:a16="http://schemas.microsoft.com/office/drawing/2014/main" id="{C88CF979-538E-4458-B5F5-012E3B08F58F}"/>
+                    <a16:creationId xmlns:a16="http://schemas.microsoft.com/office/drawing/2014/main" xmlns="" id="{C88CF979-538E-4458-B5F5-012E3B08F58F}"/>
                   </a:ext>
                 </a:extLst>
               </p:cNvPr>
@@ -16362,7 +16090,7 @@
               <p:cNvPr id="11" name="Rectangle 10">
                 <a:extLst>
                   <a:ext uri="{FF2B5EF4-FFF2-40B4-BE49-F238E27FC236}">
-                    <a16:creationId xmlns="" xmlns:a16="http://schemas.microsoft.com/office/drawing/2014/main" id="{5A9E023A-6641-403F-BD46-0FFF37F28013}"/>
+                    <a16:creationId xmlns:a16="http://schemas.microsoft.com/office/drawing/2014/main" xmlns="" id="{5A9E023A-6641-403F-BD46-0FFF37F28013}"/>
                   </a:ext>
                 </a:extLst>
               </p:cNvPr>
@@ -16417,7 +16145,7 @@
               <p:cNvPr id="12" name="Rectangle 11">
                 <a:extLst>
                   <a:ext uri="{FF2B5EF4-FFF2-40B4-BE49-F238E27FC236}">
-                    <a16:creationId xmlns="" xmlns:a16="http://schemas.microsoft.com/office/drawing/2014/main" id="{46345997-F078-4517-8D15-6A6C173D1ED3}"/>
+                    <a16:creationId xmlns:a16="http://schemas.microsoft.com/office/drawing/2014/main" xmlns="" id="{46345997-F078-4517-8D15-6A6C173D1ED3}"/>
                   </a:ext>
                 </a:extLst>
               </p:cNvPr>
@@ -16472,7 +16200,7 @@
               <p:cNvPr id="13" name="Rectangle 12">
                 <a:extLst>
                   <a:ext uri="{FF2B5EF4-FFF2-40B4-BE49-F238E27FC236}">
-                    <a16:creationId xmlns="" xmlns:a16="http://schemas.microsoft.com/office/drawing/2014/main" id="{3A354F5C-A246-4684-82E2-13DEE65B9817}"/>
+                    <a16:creationId xmlns:a16="http://schemas.microsoft.com/office/drawing/2014/main" xmlns="" id="{3A354F5C-A246-4684-82E2-13DEE65B9817}"/>
                   </a:ext>
                 </a:extLst>
               </p:cNvPr>
@@ -16543,7 +16271,7 @@
           <p:cNvPr id="16" name="Arrow: Down 15">
             <a:extLst>
               <a:ext uri="{FF2B5EF4-FFF2-40B4-BE49-F238E27FC236}">
-                <a16:creationId xmlns="" xmlns:a16="http://schemas.microsoft.com/office/drawing/2014/main" id="{C34D8D6A-5B51-4EAD-B807-72E2EC698EBD}"/>
+                <a16:creationId xmlns:a16="http://schemas.microsoft.com/office/drawing/2014/main" xmlns="" id="{C34D8D6A-5B51-4EAD-B807-72E2EC698EBD}"/>
               </a:ext>
             </a:extLst>
           </p:cNvPr>
@@ -16601,6 +16329,210 @@
       </p:par>
     </p:tnLst>
   </p:timing>
+</p:sld>
+</file>
+
+<file path=ppt/slides/slide9.xml><?xml version="1.0" encoding="utf-8"?>
+<p:sld xmlns:a="http://schemas.openxmlformats.org/drawingml/2006/main" xmlns:r="http://schemas.openxmlformats.org/officeDocument/2006/relationships" xmlns:p="http://schemas.openxmlformats.org/presentationml/2006/main">
+  <p:cSld>
+    <p:spTree>
+      <p:nvGrpSpPr>
+        <p:cNvPr id="1" name=""/>
+        <p:cNvGrpSpPr/>
+        <p:nvPr/>
+      </p:nvGrpSpPr>
+      <p:grpSpPr>
+        <a:xfrm>
+          <a:off x="0" y="0"/>
+          <a:ext cx="0" cy="0"/>
+          <a:chOff x="0" y="0"/>
+          <a:chExt cx="0" cy="0"/>
+        </a:xfrm>
+      </p:grpSpPr>
+      <p:sp>
+        <p:nvSpPr>
+          <p:cNvPr id="9" name="Text Placeholder 8">
+            <a:extLst>
+              <a:ext uri="{FF2B5EF4-FFF2-40B4-BE49-F238E27FC236}">
+                <a16:creationId xmlns:a16="http://schemas.microsoft.com/office/drawing/2014/main" xmlns="" id="{6B0609BC-B6C3-4688-B8F9-BE3E0A7D41DE}"/>
+              </a:ext>
+            </a:extLst>
+          </p:cNvPr>
+          <p:cNvSpPr>
+            <a:spLocks noGrp="1"/>
+          </p:cNvSpPr>
+          <p:nvPr>
+            <p:ph type="body" idx="1"/>
+          </p:nvPr>
+        </p:nvSpPr>
+        <p:spPr>
+          <a:xfrm>
+            <a:off x="1319219" y="1347786"/>
+            <a:ext cx="4649783" cy="823912"/>
+          </a:xfrm>
+        </p:spPr>
+        <p:txBody>
+          <a:bodyPr/>
+          <a:lstStyle/>
+          <a:p>
+            <a:r>
+              <a:rPr lang="en-GB" b="1" i="1" cap="none" dirty="0">
+                <a:latin typeface="Calibri Light" panose="020F0302020204030204" pitchFamily="34" charset="0"/>
+                <a:cs typeface="Calibri Light" panose="020F0302020204030204" pitchFamily="34" charset="0"/>
+              </a:rPr>
+              <a:t>Existing Request/Response Architecture</a:t>
+            </a:r>
+          </a:p>
+        </p:txBody>
+      </p:sp>
+      <p:pic>
+        <p:nvPicPr>
+          <p:cNvPr id="6" name="Content Placeholder 5">
+            <a:extLst>
+              <a:ext uri="{FF2B5EF4-FFF2-40B4-BE49-F238E27FC236}">
+                <a16:creationId xmlns:a16="http://schemas.microsoft.com/office/drawing/2014/main" xmlns="" id="{0AA310D3-5962-49C0-A636-5237905DFA1B}"/>
+              </a:ext>
+            </a:extLst>
+          </p:cNvPr>
+          <p:cNvPicPr>
+            <a:picLocks noGrp="1"/>
+          </p:cNvPicPr>
+          <p:nvPr>
+            <p:ph sz="half" idx="2"/>
+          </p:nvPr>
+        </p:nvPicPr>
+        <p:blipFill>
+          <a:blip r:embed="rId2">
+            <a:extLst>
+              <a:ext uri="{28A0092B-C50C-407E-A947-70E740481C1C}">
+                <a14:useLocalDpi xmlns:a14="http://schemas.microsoft.com/office/drawing/2010/main" val="0"/>
+              </a:ext>
+            </a:extLst>
+          </a:blip>
+          <a:stretch>
+            <a:fillRect/>
+          </a:stretch>
+        </p:blipFill>
+        <p:spPr bwMode="auto">
+          <a:xfrm>
+            <a:off x="1104900" y="2413000"/>
+            <a:ext cx="4720907" cy="3378200"/>
+          </a:xfrm>
+          <a:prstGeom prst="rect">
+            <a:avLst/>
+          </a:prstGeom>
+          <a:noFill/>
+          <a:ln>
+            <a:noFill/>
+          </a:ln>
+        </p:spPr>
+      </p:pic>
+      <p:sp>
+        <p:nvSpPr>
+          <p:cNvPr id="10" name="Text Placeholder 9">
+            <a:extLst>
+              <a:ext uri="{FF2B5EF4-FFF2-40B4-BE49-F238E27FC236}">
+                <a16:creationId xmlns:a16="http://schemas.microsoft.com/office/drawing/2014/main" xmlns="" id="{5B475B40-2A39-4A12-BD76-607746BAA1D0}"/>
+              </a:ext>
+            </a:extLst>
+          </p:cNvPr>
+          <p:cNvSpPr>
+            <a:spLocks noGrp="1"/>
+          </p:cNvSpPr>
+          <p:nvPr>
+            <p:ph type="body" sz="quarter" idx="3"/>
+          </p:nvPr>
+        </p:nvSpPr>
+        <p:spPr>
+          <a:xfrm>
+            <a:off x="6350008" y="1347785"/>
+            <a:ext cx="4646602" cy="823912"/>
+          </a:xfrm>
+        </p:spPr>
+        <p:txBody>
+          <a:bodyPr/>
+          <a:lstStyle/>
+          <a:p>
+            <a:r>
+              <a:rPr lang="en-GB" b="1" i="1" cap="none" dirty="0">
+                <a:latin typeface="Calibri Light" panose="020F0302020204030204" pitchFamily="34" charset="0"/>
+                <a:ea typeface="Calibri" panose="020F0502020204030204" pitchFamily="34" charset="0"/>
+                <a:cs typeface="Calibri Light" panose="020F0302020204030204" pitchFamily="34" charset="0"/>
+              </a:rPr>
+              <a:t>Node </a:t>
+            </a:r>
+            <a:r>
+              <a:rPr lang="en-GB" b="1" i="1" cap="none" dirty="0" err="1">
+                <a:latin typeface="Calibri Light" panose="020F0302020204030204" pitchFamily="34" charset="0"/>
+                <a:ea typeface="Calibri" panose="020F0502020204030204" pitchFamily="34" charset="0"/>
+                <a:cs typeface="Calibri Light" panose="020F0302020204030204" pitchFamily="34" charset="0"/>
+              </a:rPr>
+              <a:t>js</a:t>
+            </a:r>
+            <a:r>
+              <a:rPr lang="en-GB" b="1" i="1" cap="none" dirty="0">
+                <a:latin typeface="Calibri Light" panose="020F0302020204030204" pitchFamily="34" charset="0"/>
+                <a:ea typeface="Calibri" panose="020F0502020204030204" pitchFamily="34" charset="0"/>
+                <a:cs typeface="Calibri Light" panose="020F0302020204030204" pitchFamily="34" charset="0"/>
+              </a:rPr>
+              <a:t> Request/Response Architecture (Single Threaded)</a:t>
+            </a:r>
+            <a:endParaRPr lang="en-GB" dirty="0"/>
+          </a:p>
+        </p:txBody>
+      </p:sp>
+      <p:pic>
+        <p:nvPicPr>
+          <p:cNvPr id="8" name="Content Placeholder 3">
+            <a:extLst>
+              <a:ext uri="{FF2B5EF4-FFF2-40B4-BE49-F238E27FC236}">
+                <a16:creationId xmlns:a16="http://schemas.microsoft.com/office/drawing/2014/main" xmlns="" id="{BC12E171-7878-49D7-80D0-5064C3C39E83}"/>
+              </a:ext>
+            </a:extLst>
+          </p:cNvPr>
+          <p:cNvPicPr>
+            <a:picLocks noGrp="1"/>
+          </p:cNvPicPr>
+          <p:nvPr>
+            <p:ph sz="quarter" idx="4"/>
+          </p:nvPr>
+        </p:nvPicPr>
+        <p:blipFill>
+          <a:blip r:embed="rId3">
+            <a:extLst>
+              <a:ext uri="{28A0092B-C50C-407E-A947-70E740481C1C}">
+                <a14:useLocalDpi xmlns:a14="http://schemas.microsoft.com/office/drawing/2010/main" val="0"/>
+              </a:ext>
+            </a:extLst>
+          </a:blip>
+          <a:stretch>
+            <a:fillRect/>
+          </a:stretch>
+        </p:blipFill>
+        <p:spPr bwMode="auto">
+          <a:xfrm>
+            <a:off x="6366194" y="2413000"/>
+            <a:ext cx="4895364" cy="3378200"/>
+          </a:xfrm>
+          <a:prstGeom prst="rect">
+            <a:avLst/>
+          </a:prstGeom>
+          <a:noFill/>
+          <a:ln>
+            <a:noFill/>
+          </a:ln>
+        </p:spPr>
+      </p:pic>
+    </p:spTree>
+    <p:extLst>
+      <p:ext uri="{BB962C8B-B14F-4D97-AF65-F5344CB8AC3E}">
+        <p14:creationId xmlns:p14="http://schemas.microsoft.com/office/powerpoint/2010/main" val="1176713319"/>
+      </p:ext>
+    </p:extLst>
+  </p:cSld>
+  <p:clrMapOvr>
+    <a:masterClrMapping/>
+  </p:clrMapOvr>
 </p:sld>
 </file>
 
